--- a/workshops/20251025/20251025_LP作成ワーカー作業マニュアル.pptx
+++ b/workshops/20251025/20251025_LP作成ワーカー作業マニュアル.pptx
@@ -6,7 +6,7 @@
     <p:sldMasterId id="2147484297" r:id="rId2"/>
   </p:sldMasterIdLst>
   <p:notesMasterIdLst>
-    <p:notesMasterId r:id="rId8"/>
+    <p:notesMasterId r:id="rId9"/>
   </p:notesMasterIdLst>
   <p:sldIdLst>
     <p:sldId id="256" r:id="rId3"/>
@@ -14,6 +14,7 @@
     <p:sldId id="258" r:id="rId5"/>
     <p:sldId id="259" r:id="rId6"/>
     <p:sldId id="260" r:id="rId7"/>
+    <p:sldId id="261" r:id="rId8"/>
   </p:sldIdLst>
   <p:sldSz cx="12192000" cy="6858000"/>
   <p:notesSz cx="6858000" cy="9144000"/>
@@ -205,7 +206,7 @@
           <a:p>
             <a:fld id="{8F9DD51D-31F4-4FEB-9903-808982AB90E2}" type="datetimeFigureOut">
               <a:rPr kumimoji="1" lang="ja-JP" altLang="en-US" smtClean="0"/>
-              <a:t>2025/10/24</a:t>
+              <a:t>2025/10/25</a:t>
             </a:fld>
             <a:endParaRPr kumimoji="1" lang="ja-JP" altLang="en-US"/>
           </a:p>
@@ -1398,7 +1399,7 @@
           <a:p>
             <a:fld id="{67598571-F9CE-6442-8D23-D6050606A188}" type="datetime1">
               <a:rPr kumimoji="1" lang="ja-JP" altLang="en-US" smtClean="0"/>
-              <a:t>2025/10/24</a:t>
+              <a:t>2025/10/25</a:t>
             </a:fld>
             <a:endParaRPr kumimoji="1" lang="ja-JP" altLang="en-US"/>
           </a:p>
@@ -2667,7 +2668,7 @@
         </p:nvGrpSpPr>
         <p:grpSpPr>
           <a:xfrm>
-            <a:off x="761695" y="1825973"/>
+            <a:off x="761695" y="2391236"/>
             <a:ext cx="261519" cy="228600"/>
             <a:chOff x="761695" y="1742846"/>
             <a:chExt cx="261519" cy="228600"/>
@@ -2787,7 +2788,7 @@
         </p:nvGrpSpPr>
         <p:grpSpPr>
           <a:xfrm>
-            <a:off x="761695" y="2397473"/>
+            <a:off x="761695" y="3295246"/>
             <a:ext cx="261519" cy="228600"/>
             <a:chOff x="761695" y="2314346"/>
             <a:chExt cx="261519" cy="228600"/>
@@ -2893,126 +2894,6 @@
           </p:txBody>
         </p:sp>
       </p:grpSp>
-      <p:grpSp>
-        <p:nvGrpSpPr>
-          <p:cNvPr id="23" name="グループ化 22">
-            <a:extLst>
-              <a:ext uri="{FF2B5EF4-FFF2-40B4-BE49-F238E27FC236}">
-                <a16:creationId xmlns:a16="http://schemas.microsoft.com/office/drawing/2014/main" id="{532B26F1-C4F7-DB4E-BB1A-E52EB289A3B3}"/>
-              </a:ext>
-            </a:extLst>
-          </p:cNvPr>
-          <p:cNvGrpSpPr/>
-          <p:nvPr/>
-        </p:nvGrpSpPr>
-        <p:grpSpPr>
-          <a:xfrm>
-            <a:off x="761695" y="3302729"/>
-            <a:ext cx="261519" cy="228600"/>
-            <a:chOff x="761695" y="3219602"/>
-            <a:chExt cx="261519" cy="228600"/>
-          </a:xfrm>
-        </p:grpSpPr>
-        <p:sp>
-          <p:nvSpPr>
-            <p:cNvPr id="6" name="Shape 4"/>
-            <p:cNvSpPr/>
-            <p:nvPr/>
-          </p:nvSpPr>
-          <p:spPr>
-            <a:xfrm>
-              <a:off x="761695" y="3219602"/>
-              <a:ext cx="228600" cy="228600"/>
-            </a:xfrm>
-            <a:prstGeom prst="ellipse">
-              <a:avLst/>
-            </a:prstGeom>
-            <a:solidFill>
-              <a:srgbClr val="BF0000"/>
-            </a:solidFill>
-            <a:ln/>
-          </p:spPr>
-          <p:txBody>
-            <a:bodyPr/>
-            <a:lstStyle/>
-            <a:p>
-              <a:endParaRPr lang="ja-JP" altLang="en-US"/>
-            </a:p>
-          </p:txBody>
-        </p:sp>
-        <p:sp>
-          <p:nvSpPr>
-            <p:cNvPr id="10" name="Text 8"/>
-            <p:cNvSpPr txBox="1"/>
-            <p:nvPr/>
-          </p:nvSpPr>
-          <p:spPr>
-            <a:xfrm>
-              <a:off x="836676" y="3233318"/>
-              <a:ext cx="186538" cy="200254"/>
-            </a:xfrm>
-            <a:prstGeom prst="rect">
-              <a:avLst/>
-            </a:prstGeom>
-            <a:noFill/>
-            <a:ln/>
-          </p:spPr>
-          <p:txBody>
-            <a:bodyPr wrap="square" lIns="0" tIns="0" rIns="0" bIns="0" rtlCol="0" anchor="ctr"/>
-            <a:lstStyle/>
-            <a:p>
-              <a:pPr marL="0" marR="0" lvl="0" indent="0" algn="l" defTabSz="914400" rtl="0" eaLnBrk="1" fontAlgn="auto" latinLnBrk="0" hangingPunct="1">
-                <a:lnSpc>
-                  <a:spcPct val="100000"/>
-                </a:lnSpc>
-                <a:spcBef>
-                  <a:spcPts val="0"/>
-                </a:spcBef>
-                <a:spcAft>
-                  <a:spcPts val="0"/>
-                </a:spcAft>
-                <a:buClrTx/>
-                <a:buSzTx/>
-                <a:buFontTx/>
-                <a:buNone/>
-                <a:tabLst/>
-                <a:defRPr/>
-              </a:pPr>
-              <a:r>
-                <a:rPr kumimoji="0" lang="en-US" sz="1000" b="1" i="0" u="none" strike="noStrike" kern="1200" cap="none" spc="0" normalizeH="0" baseline="0" noProof="0" dirty="0">
-                  <a:ln>
-                    <a:noFill/>
-                  </a:ln>
-                  <a:solidFill>
-                    <a:srgbClr val="FFFFFF"/>
-                  </a:solidFill>
-                  <a:effectLst/>
-                  <a:uLnTx/>
-                  <a:uFillTx/>
-                  <a:latin typeface="Noto Sans JP" pitchFamily="34" charset="0"/>
-                  <a:ea typeface="Noto Sans JP" pitchFamily="34" charset="-122"/>
-                  <a:cs typeface="Noto Sans JP" pitchFamily="34" charset="-120"/>
-                </a:rPr>
-                <a:t>3</a:t>
-              </a:r>
-              <a:endParaRPr kumimoji="0" lang="en-US" sz="1000" b="0" i="0" u="none" strike="noStrike" kern="1200" cap="none" spc="0" normalizeH="0" baseline="0" noProof="0" dirty="0">
-                <a:ln>
-                  <a:noFill/>
-                </a:ln>
-                <a:solidFill>
-                  <a:prstClr val="black"/>
-                </a:solidFill>
-                <a:effectLst/>
-                <a:uLnTx/>
-                <a:uFillTx/>
-                <a:latin typeface="Calibri" panose="020F0502020204030204"/>
-                <a:ea typeface="+mn-ea"/>
-                <a:cs typeface="+mn-cs"/>
-              </a:endParaRPr>
-            </a:p>
-          </p:txBody>
-        </p:sp>
-      </p:grpSp>
       <p:sp>
         <p:nvSpPr>
           <p:cNvPr id="12" name="Text 10"/>
@@ -3021,8 +2902,8 @@
         </p:nvSpPr>
         <p:spPr>
           <a:xfrm>
-            <a:off x="1143000" y="1742846"/>
-            <a:ext cx="5652436" cy="333756"/>
+            <a:off x="1023214" y="1551808"/>
+            <a:ext cx="7593676" cy="333756"/>
           </a:xfrm>
           <a:prstGeom prst="rect">
             <a:avLst/>
@@ -3052,7 +2933,7 @@
               <a:defRPr/>
             </a:pPr>
             <a:r>
-              <a:rPr kumimoji="0" lang="en-US" sz="1800" b="0" i="0" u="none" strike="noStrike" kern="1200" cap="none" spc="0" normalizeH="0" baseline="0" noProof="0" dirty="0">
+              <a:rPr kumimoji="0" lang="en-US" sz="2400" b="0" i="0" u="none" strike="noStrike" kern="1200" cap="none" spc="0" normalizeH="0" baseline="0" noProof="0" dirty="0">
                 <a:ln>
                   <a:noFill/>
                 </a:ln>
@@ -3069,7 +2950,7 @@
               <a:t>LP案の修正を担当（AI</a:t>
             </a:r>
             <a:r>
-              <a:rPr kumimoji="0" lang="ja-JP" altLang="en-US" sz="1800" b="0" i="0" u="none" strike="noStrike" kern="1200" cap="none" spc="0" normalizeH="0" baseline="0" noProof="0" dirty="0">
+              <a:rPr kumimoji="0" lang="ja-JP" altLang="en-US" sz="2400" b="0" i="0" u="none" strike="noStrike" kern="1200" cap="none" spc="0" normalizeH="0" baseline="0" noProof="0" dirty="0">
                 <a:ln>
                   <a:noFill/>
                 </a:ln>
@@ -3086,7 +2967,7 @@
               <a:t>作成した</a:t>
             </a:r>
             <a:r>
-              <a:rPr kumimoji="0" lang="en-US" sz="1800" b="0" i="0" u="none" strike="noStrike" kern="1200" cap="none" spc="0" normalizeH="0" baseline="0" noProof="0" dirty="0">
+              <a:rPr kumimoji="0" lang="en-US" sz="2400" b="0" i="0" u="none" strike="noStrike" kern="1200" cap="none" spc="0" normalizeH="0" baseline="0" noProof="0" dirty="0">
                 <a:ln>
                   <a:noFill/>
                 </a:ln>
@@ -3101,6 +2982,112 @@
                 <a:cs typeface="Noto Sans JP" pitchFamily="34" charset="-120"/>
               </a:rPr>
               <a:t>下書きを磨き上げる）</a:t>
+            </a:r>
+            <a:endParaRPr kumimoji="0" lang="en-US" sz="2400" b="0" i="0" u="none" strike="noStrike" kern="1200" cap="none" spc="0" normalizeH="0" baseline="0" noProof="0" dirty="0">
+              <a:ln>
+                <a:noFill/>
+              </a:ln>
+              <a:solidFill>
+                <a:prstClr val="black"/>
+              </a:solidFill>
+              <a:effectLst/>
+              <a:uLnTx/>
+              <a:uFillTx/>
+              <a:latin typeface="Calibri" panose="020F0502020204030204"/>
+              <a:ea typeface="+mn-ea"/>
+              <a:cs typeface="+mn-cs"/>
+            </a:endParaRPr>
+          </a:p>
+        </p:txBody>
+      </p:sp>
+      <p:sp>
+        <p:nvSpPr>
+          <p:cNvPr id="13" name="Text 11"/>
+          <p:cNvSpPr txBox="1"/>
+          <p:nvPr/>
+        </p:nvSpPr>
+        <p:spPr>
+          <a:xfrm>
+            <a:off x="1143000" y="2314346"/>
+            <a:ext cx="4972507" cy="333756"/>
+          </a:xfrm>
+          <a:prstGeom prst="rect">
+            <a:avLst/>
+          </a:prstGeom>
+          <a:noFill/>
+          <a:ln/>
+        </p:spPr>
+        <p:txBody>
+          <a:bodyPr wrap="square" lIns="0" tIns="0" rIns="0" bIns="0" rtlCol="0" anchor="ctr"/>
+          <a:lstStyle/>
+          <a:p>
+            <a:pPr marL="0" marR="0" lvl="0" indent="0" algn="l" defTabSz="914400" rtl="0" eaLnBrk="1" fontAlgn="auto" latinLnBrk="0" hangingPunct="1">
+              <a:lnSpc>
+                <a:spcPct val="100000"/>
+              </a:lnSpc>
+              <a:spcBef>
+                <a:spcPts val="0"/>
+              </a:spcBef>
+              <a:spcAft>
+                <a:spcPts val="0"/>
+              </a:spcAft>
+              <a:buClrTx/>
+              <a:buSzTx/>
+              <a:buFontTx/>
+              <a:buNone/>
+              <a:tabLst/>
+              <a:defRPr/>
+            </a:pPr>
+            <a:r>
+              <a:rPr kumimoji="0" lang="en-US" sz="1800" b="0" i="0" u="none" strike="noStrike" kern="1200" cap="none" spc="0" normalizeH="0" baseline="0" noProof="0" dirty="0">
+                <a:ln>
+                  <a:noFill/>
+                </a:ln>
+                <a:solidFill>
+                  <a:srgbClr val="333333"/>
+                </a:solidFill>
+                <a:effectLst/>
+                <a:uLnTx/>
+                <a:uFillTx/>
+                <a:latin typeface="Noto Sans JP" pitchFamily="34" charset="0"/>
+                <a:ea typeface="Noto Sans JP" pitchFamily="34" charset="-122"/>
+                <a:cs typeface="Noto Sans JP" pitchFamily="34" charset="-120"/>
+              </a:rPr>
+              <a:t>テキスト編集：機械的な文章を自然な</a:t>
+            </a:r>
+            <a:r>
+              <a:rPr kumimoji="0" lang="ja-JP" altLang="en-US" sz="1800" b="0" i="0" u="none" strike="noStrike" kern="1200" cap="none" spc="0" normalizeH="0" baseline="0" noProof="0" dirty="0">
+                <a:ln>
+                  <a:noFill/>
+                </a:ln>
+                <a:solidFill>
+                  <a:srgbClr val="333333"/>
+                </a:solidFill>
+                <a:effectLst/>
+                <a:uLnTx/>
+                <a:uFillTx/>
+                <a:latin typeface="Noto Sans JP" pitchFamily="34" charset="0"/>
+                <a:ea typeface="Noto Sans JP" pitchFamily="34" charset="-122"/>
+                <a:cs typeface="Noto Sans JP" pitchFamily="34" charset="-120"/>
+              </a:rPr>
+              <a:t>表現</a:t>
+            </a:r>
+            <a:r>
+              <a:rPr kumimoji="0" lang="en-US" sz="1800" b="0" i="0" u="none" strike="noStrike" kern="1200" cap="none" spc="0" normalizeH="0" baseline="0" noProof="0" dirty="0">
+                <a:ln>
+                  <a:noFill/>
+                </a:ln>
+                <a:solidFill>
+                  <a:srgbClr val="333333"/>
+                </a:solidFill>
+                <a:effectLst/>
+                <a:uLnTx/>
+                <a:uFillTx/>
+                <a:latin typeface="Noto Sans JP" pitchFamily="34" charset="0"/>
+                <a:ea typeface="Noto Sans JP" pitchFamily="34" charset="-122"/>
+                <a:cs typeface="Noto Sans JP" pitchFamily="34" charset="-120"/>
+              </a:rPr>
+              <a:t>へ</a:t>
             </a:r>
             <a:endParaRPr kumimoji="0" lang="en-US" sz="1800" b="0" i="0" u="none" strike="noStrike" kern="1200" cap="none" spc="0" normalizeH="0" baseline="0" noProof="0" dirty="0">
               <a:ln>
@@ -3121,14 +3108,14 @@
       </p:sp>
       <p:sp>
         <p:nvSpPr>
-          <p:cNvPr id="13" name="Text 11"/>
+          <p:cNvPr id="14" name="Text 12"/>
           <p:cNvSpPr txBox="1"/>
           <p:nvPr/>
         </p:nvSpPr>
         <p:spPr>
           <a:xfrm>
-            <a:off x="1143000" y="2314346"/>
-            <a:ext cx="4972507" cy="333756"/>
+            <a:off x="1143000" y="3219602"/>
+            <a:ext cx="3277210" cy="333756"/>
           </a:xfrm>
           <a:prstGeom prst="rect">
             <a:avLst/>
@@ -3172,41 +3159,7 @@
                 <a:ea typeface="Noto Sans JP" pitchFamily="34" charset="-122"/>
                 <a:cs typeface="Noto Sans JP" pitchFamily="34" charset="-120"/>
               </a:rPr>
-              <a:t>テキスト編集：機械的な文章を自然な</a:t>
-            </a:r>
-            <a:r>
-              <a:rPr kumimoji="0" lang="ja-JP" altLang="en-US" sz="1800" b="0" i="0" u="none" strike="noStrike" kern="1200" cap="none" spc="0" normalizeH="0" baseline="0" noProof="0" dirty="0">
-                <a:ln>
-                  <a:noFill/>
-                </a:ln>
-                <a:solidFill>
-                  <a:srgbClr val="333333"/>
-                </a:solidFill>
-                <a:effectLst/>
-                <a:uLnTx/>
-                <a:uFillTx/>
-                <a:latin typeface="Noto Sans JP" pitchFamily="34" charset="0"/>
-                <a:ea typeface="Noto Sans JP" pitchFamily="34" charset="-122"/>
-                <a:cs typeface="Noto Sans JP" pitchFamily="34" charset="-120"/>
-              </a:rPr>
-              <a:t>表現</a:t>
-            </a:r>
-            <a:r>
-              <a:rPr kumimoji="0" lang="en-US" sz="1800" b="0" i="0" u="none" strike="noStrike" kern="1200" cap="none" spc="0" normalizeH="0" baseline="0" noProof="0" dirty="0">
-                <a:ln>
-                  <a:noFill/>
-                </a:ln>
-                <a:solidFill>
-                  <a:srgbClr val="333333"/>
-                </a:solidFill>
-                <a:effectLst/>
-                <a:uLnTx/>
-                <a:uFillTx/>
-                <a:latin typeface="Noto Sans JP" pitchFamily="34" charset="0"/>
-                <a:ea typeface="Noto Sans JP" pitchFamily="34" charset="-122"/>
-                <a:cs typeface="Noto Sans JP" pitchFamily="34" charset="-120"/>
-              </a:rPr>
-              <a:t>へ</a:t>
+              <a:t>画像生成・編集：2種類の作業</a:t>
             </a:r>
             <a:endParaRPr kumimoji="0" lang="en-US" sz="1800" b="0" i="0" u="none" strike="noStrike" kern="1200" cap="none" spc="0" normalizeH="0" baseline="0" noProof="0" dirty="0">
               <a:ln>
@@ -3227,78 +3180,6 @@
       </p:sp>
       <p:sp>
         <p:nvSpPr>
-          <p:cNvPr id="14" name="Text 12"/>
-          <p:cNvSpPr txBox="1"/>
-          <p:nvPr/>
-        </p:nvSpPr>
-        <p:spPr>
-          <a:xfrm>
-            <a:off x="1143000" y="3219602"/>
-            <a:ext cx="3277210" cy="333756"/>
-          </a:xfrm>
-          <a:prstGeom prst="rect">
-            <a:avLst/>
-          </a:prstGeom>
-          <a:noFill/>
-          <a:ln/>
-        </p:spPr>
-        <p:txBody>
-          <a:bodyPr wrap="square" lIns="0" tIns="0" rIns="0" bIns="0" rtlCol="0" anchor="ctr"/>
-          <a:lstStyle/>
-          <a:p>
-            <a:pPr marL="0" marR="0" lvl="0" indent="0" algn="l" defTabSz="914400" rtl="0" eaLnBrk="1" fontAlgn="auto" latinLnBrk="0" hangingPunct="1">
-              <a:lnSpc>
-                <a:spcPct val="100000"/>
-              </a:lnSpc>
-              <a:spcBef>
-                <a:spcPts val="0"/>
-              </a:spcBef>
-              <a:spcAft>
-                <a:spcPts val="0"/>
-              </a:spcAft>
-              <a:buClrTx/>
-              <a:buSzTx/>
-              <a:buFontTx/>
-              <a:buNone/>
-              <a:tabLst/>
-              <a:defRPr/>
-            </a:pPr>
-            <a:r>
-              <a:rPr kumimoji="0" lang="en-US" sz="1800" b="0" i="0" u="none" strike="noStrike" kern="1200" cap="none" spc="0" normalizeH="0" baseline="0" noProof="0" dirty="0">
-                <a:ln>
-                  <a:noFill/>
-                </a:ln>
-                <a:solidFill>
-                  <a:srgbClr val="333333"/>
-                </a:solidFill>
-                <a:effectLst/>
-                <a:uLnTx/>
-                <a:uFillTx/>
-                <a:latin typeface="Noto Sans JP" pitchFamily="34" charset="0"/>
-                <a:ea typeface="Noto Sans JP" pitchFamily="34" charset="-122"/>
-                <a:cs typeface="Noto Sans JP" pitchFamily="34" charset="-120"/>
-              </a:rPr>
-              <a:t>画像生成・編集：2種類の作業</a:t>
-            </a:r>
-            <a:endParaRPr kumimoji="0" lang="en-US" sz="1800" b="0" i="0" u="none" strike="noStrike" kern="1200" cap="none" spc="0" normalizeH="0" baseline="0" noProof="0" dirty="0">
-              <a:ln>
-                <a:noFill/>
-              </a:ln>
-              <a:solidFill>
-                <a:prstClr val="black"/>
-              </a:solidFill>
-              <a:effectLst/>
-              <a:uLnTx/>
-              <a:uFillTx/>
-              <a:latin typeface="Calibri" panose="020F0502020204030204"/>
-              <a:ea typeface="+mn-ea"/>
-              <a:cs typeface="+mn-cs"/>
-            </a:endParaRPr>
-          </a:p>
-        </p:txBody>
-      </p:sp>
-      <p:sp>
-        <p:nvSpPr>
           <p:cNvPr id="15" name="Text 13"/>
           <p:cNvSpPr txBox="1"/>
           <p:nvPr/>
@@ -3467,7 +3348,7 @@
         <p:spPr>
           <a:xfrm>
             <a:off x="1524304" y="3638397"/>
-            <a:ext cx="4571695" cy="255149"/>
+            <a:ext cx="4972507" cy="333756"/>
           </a:xfrm>
           <a:prstGeom prst="rect">
             <a:avLst/>
@@ -3511,7 +3392,35 @@
                 <a:ea typeface="Noto Sans JP" pitchFamily="34" charset="-122"/>
                 <a:cs typeface="Noto Sans JP" pitchFamily="34" charset="-120"/>
               </a:rPr>
-              <a:t>・画像1：</a:t>
+              <a:t>・</a:t>
+            </a:r>
+            <a:r>
+              <a:rPr kumimoji="0" lang="ja-JP" altLang="en-US" sz="1300" dirty="0">
+                <a:solidFill>
+                  <a:srgbClr val="666666"/>
+                </a:solidFill>
+                <a:latin typeface="Noto Sans JP" pitchFamily="34" charset="0"/>
+                <a:ea typeface="Noto Sans JP" pitchFamily="34" charset="-122"/>
+                <a:cs typeface="Noto Sans JP" pitchFamily="34" charset="-120"/>
+              </a:rPr>
+              <a:t>ヒーロー画像</a:t>
+            </a:r>
+            <a:r>
+              <a:rPr kumimoji="0" lang="en-US" sz="1300" b="0" i="0" u="none" strike="noStrike" kern="1200" cap="none" spc="0" normalizeH="0" baseline="0" noProof="0" dirty="0">
+                <a:ln>
+                  <a:noFill/>
+                </a:ln>
+                <a:solidFill>
+                  <a:srgbClr val="666666"/>
+                </a:solidFill>
+                <a:effectLst/>
+                <a:uLnTx/>
+                <a:uFillTx/>
+                <a:latin typeface="Noto Sans JP" pitchFamily="34" charset="0"/>
+                <a:ea typeface="Noto Sans JP" pitchFamily="34" charset="-122"/>
+                <a:cs typeface="Noto Sans JP" pitchFamily="34" charset="-120"/>
+              </a:rPr>
+              <a:t>：</a:t>
             </a:r>
             <a:r>
               <a:rPr kumimoji="0" lang="ja-JP" altLang="en-US" sz="1300" b="0" i="0" u="none" strike="noStrike" kern="1200" cap="none" spc="0" normalizeH="0" baseline="0" noProof="0" dirty="0">
@@ -3617,7 +3526,7 @@
                 <a:ea typeface="Noto Sans JP" pitchFamily="34" charset="-122"/>
                 <a:cs typeface="Noto Sans JP" pitchFamily="34" charset="-120"/>
               </a:rPr>
-              <a:t>・画像2〜4：AI</a:t>
+              <a:t>・画像1〜4：AI</a:t>
             </a:r>
             <a:r>
               <a:rPr kumimoji="0" lang="ja-JP" altLang="en-US" sz="1300" b="0" i="0" u="none" strike="noStrike" kern="1200" cap="none" spc="0" normalizeH="0" baseline="0" noProof="0" dirty="0">
@@ -4495,7 +4404,7 @@
               <a:defRPr/>
             </a:pPr>
             <a:r>
-              <a:rPr kumimoji="0" lang="en-US" sz="1300" b="0" i="0" u="none" strike="noStrike" kern="1200" cap="none" spc="0" normalizeH="0" baseline="0" noProof="0" dirty="0">
+              <a:rPr kumimoji="0" lang="ja-JP" altLang="en-US" sz="1300" b="0" i="0" u="none" strike="noStrike" kern="1200" cap="none" spc="0" normalizeH="0" baseline="0" noProof="0" dirty="0">
                 <a:ln>
                   <a:noFill/>
                 </a:ln>
@@ -4509,7 +4418,7 @@
                 <a:ea typeface="Noto Sans JP" pitchFamily="34" charset="-122"/>
                 <a:cs typeface="Noto Sans JP" pitchFamily="34" charset="-120"/>
               </a:rPr>
-              <a:t>AIチェックツールでの検出リスク軽減と汎用性確保のため</a:t>
+              <a:t>違和感のある画像をそのままにしない</a:t>
             </a:r>
             <a:endParaRPr kumimoji="0" lang="en-US" sz="1300" b="0" i="0" u="none" strike="noStrike" kern="1200" cap="none" spc="0" normalizeH="0" baseline="0" noProof="0" dirty="0">
               <a:ln>
@@ -6171,7 +6080,7 @@
         <p:spPr>
           <a:xfrm>
             <a:off x="761695" y="1371600"/>
-            <a:ext cx="2772461" cy="381305"/>
+            <a:ext cx="4139489" cy="381305"/>
           </a:xfrm>
           <a:prstGeom prst="rect">
             <a:avLst/>
@@ -6201,7 +6110,7 @@
               <a:defRPr/>
             </a:pPr>
             <a:r>
-              <a:rPr kumimoji="0" lang="en-US" sz="2100" b="1" i="0" u="none" strike="noStrike" kern="1200" cap="none" spc="0" normalizeH="0" baseline="0" noProof="0" dirty="0">
+              <a:rPr kumimoji="0" lang="ja-JP" altLang="en-US" sz="2100" b="1" i="0" u="none" strike="noStrike" kern="1200" cap="none" spc="0" normalizeH="0" baseline="0" noProof="0" dirty="0">
                 <a:ln>
                   <a:noFill/>
                 </a:ln>
@@ -6215,7 +6124,58 @@
                 <a:ea typeface="Noto Sans JP" pitchFamily="34" charset="-122"/>
                 <a:cs typeface="Noto Sans JP" pitchFamily="34" charset="-120"/>
               </a:rPr>
-              <a:t>画像1（Canva編集）</a:t>
+              <a:t>ヒーロー画像</a:t>
+            </a:r>
+            <a:r>
+              <a:rPr kumimoji="0" lang="en-US" sz="2100" b="1" i="0" u="none" strike="noStrike" kern="1200" cap="none" spc="0" normalizeH="0" baseline="0" noProof="0" dirty="0">
+                <a:ln>
+                  <a:noFill/>
+                </a:ln>
+                <a:solidFill>
+                  <a:srgbClr val="333333"/>
+                </a:solidFill>
+                <a:effectLst/>
+                <a:uLnTx/>
+                <a:uFillTx/>
+                <a:latin typeface="Noto Sans JP" pitchFamily="34" charset="0"/>
+                <a:ea typeface="Noto Sans JP" pitchFamily="34" charset="-122"/>
+                <a:cs typeface="Noto Sans JP" pitchFamily="34" charset="-120"/>
+              </a:rPr>
+              <a:t>（</a:t>
+            </a:r>
+            <a:r>
+              <a:rPr kumimoji="0" lang="ja-JP" altLang="en-US" sz="2100" b="1" i="0" u="none" strike="noStrike" kern="1200" cap="none" spc="0" normalizeH="0" baseline="0" noProof="0" dirty="0">
+                <a:ln>
+                  <a:noFill/>
+                </a:ln>
+                <a:solidFill>
+                  <a:srgbClr val="333333"/>
+                </a:solidFill>
+                <a:effectLst/>
+                <a:uLnTx/>
+                <a:uFillTx/>
+                <a:latin typeface="Noto Sans JP" pitchFamily="34" charset="0"/>
+                <a:ea typeface="Noto Sans JP" pitchFamily="34" charset="-122"/>
+                <a:cs typeface="Noto Sans JP" pitchFamily="34" charset="-120"/>
+              </a:rPr>
+              <a:t>画像編集ソフト</a:t>
+            </a:r>
+            <a:r>
+              <a:rPr kumimoji="0" lang="en-US" sz="2100" b="1" i="0" u="none" strike="noStrike" kern="1200" cap="none" spc="0" normalizeH="0" baseline="0" noProof="0" dirty="0">
+                <a:ln>
+                  <a:noFill/>
+                </a:ln>
+                <a:solidFill>
+                  <a:srgbClr val="333333"/>
+                </a:solidFill>
+                <a:effectLst/>
+                <a:uLnTx/>
+                <a:uFillTx/>
+                <a:latin typeface="Noto Sans JP" pitchFamily="34" charset="0"/>
+                <a:ea typeface="Noto Sans JP" pitchFamily="34" charset="-122"/>
+                <a:cs typeface="Noto Sans JP" pitchFamily="34" charset="-120"/>
+              </a:rPr>
+              <a:t>）</a:t>
             </a:r>
             <a:endParaRPr kumimoji="0" lang="en-US" sz="2100" b="0" i="0" u="none" strike="noStrike" kern="1200" cap="none" spc="0" normalizeH="0" baseline="0" noProof="0" dirty="0">
               <a:ln>
@@ -6287,7 +6247,7 @@
                 <a:ea typeface="Noto Sans JP" pitchFamily="34" charset="-122"/>
                 <a:cs typeface="Noto Sans JP" pitchFamily="34" charset="-120"/>
               </a:rPr>
-              <a:t>画像2-4（AIプロンプト調整）</a:t>
+              <a:t>画像1-4（AIプロンプト調整）</a:t>
             </a:r>
             <a:endParaRPr kumimoji="0" lang="en-US" sz="2100" b="0" i="0" u="none" strike="noStrike" kern="1200" cap="none" spc="0" normalizeH="0" baseline="0" noProof="0" dirty="0">
               <a:ln>
@@ -6362,33 +6322,6 @@
       </p:sp>
       <p:sp>
         <p:nvSpPr>
-          <p:cNvPr id="10" name="Shape 8"/>
-          <p:cNvSpPr/>
-          <p:nvPr/>
-        </p:nvSpPr>
-        <p:spPr>
-          <a:xfrm>
-            <a:off x="761695" y="4474495"/>
-            <a:ext cx="228600" cy="228600"/>
-          </a:xfrm>
-          <a:prstGeom prst="ellipse">
-            <a:avLst/>
-          </a:prstGeom>
-          <a:solidFill>
-            <a:srgbClr val="BF0000"/>
-          </a:solidFill>
-          <a:ln/>
-        </p:spPr>
-        <p:txBody>
-          <a:bodyPr/>
-          <a:lstStyle/>
-          <a:p>
-            <a:endParaRPr lang="ja-JP" altLang="en-US"/>
-          </a:p>
-        </p:txBody>
-      </p:sp>
-      <p:sp>
-        <p:nvSpPr>
           <p:cNvPr id="11" name="Shape 9"/>
           <p:cNvSpPr/>
           <p:nvPr/>
@@ -6614,13 +6547,13 @@
       </p:sp>
       <p:sp>
         <p:nvSpPr>
-          <p:cNvPr id="16" name="Text 14"/>
+          <p:cNvPr id="17" name="Text 15"/>
           <p:cNvSpPr txBox="1"/>
           <p:nvPr/>
         </p:nvSpPr>
         <p:spPr>
           <a:xfrm>
-            <a:off x="836676" y="4488211"/>
+            <a:off x="6361481" y="2022075"/>
             <a:ext cx="186538" cy="200254"/>
           </a:xfrm>
           <a:prstGeom prst="rect">
@@ -6665,7 +6598,7 @@
                 <a:ea typeface="Noto Sans JP" pitchFamily="34" charset="-122"/>
                 <a:cs typeface="Noto Sans JP" pitchFamily="34" charset="-120"/>
               </a:rPr>
-              <a:t>3</a:t>
+              <a:t>1</a:t>
             </a:r>
             <a:endParaRPr kumimoji="0" lang="en-US" sz="1000" b="0" i="0" u="none" strike="noStrike" kern="1200" cap="none" spc="0" normalizeH="0" baseline="0" noProof="0" dirty="0">
               <a:ln>
@@ -6686,13 +6619,13 @@
       </p:sp>
       <p:sp>
         <p:nvSpPr>
-          <p:cNvPr id="17" name="Text 15"/>
+          <p:cNvPr id="18" name="Text 16"/>
           <p:cNvSpPr txBox="1"/>
           <p:nvPr/>
         </p:nvSpPr>
         <p:spPr>
           <a:xfrm>
-            <a:off x="6361481" y="2022075"/>
+            <a:off x="6361481" y="3155016"/>
             <a:ext cx="186538" cy="200254"/>
           </a:xfrm>
           <a:prstGeom prst="rect">
@@ -6737,7 +6670,7 @@
                 <a:ea typeface="Noto Sans JP" pitchFamily="34" charset="-122"/>
                 <a:cs typeface="Noto Sans JP" pitchFamily="34" charset="-120"/>
               </a:rPr>
-              <a:t>1</a:t>
+              <a:t>2</a:t>
             </a:r>
             <a:endParaRPr kumimoji="0" lang="en-US" sz="1000" b="0" i="0" u="none" strike="noStrike" kern="1200" cap="none" spc="0" normalizeH="0" baseline="0" noProof="0" dirty="0">
               <a:ln>
@@ -6758,13 +6691,13 @@
       </p:sp>
       <p:sp>
         <p:nvSpPr>
-          <p:cNvPr id="18" name="Text 16"/>
+          <p:cNvPr id="19" name="Text 17"/>
           <p:cNvSpPr txBox="1"/>
           <p:nvPr/>
         </p:nvSpPr>
         <p:spPr>
           <a:xfrm>
-            <a:off x="6361481" y="3155016"/>
+            <a:off x="6361481" y="4288872"/>
             <a:ext cx="186538" cy="200254"/>
           </a:xfrm>
           <a:prstGeom prst="rect">
@@ -6809,7 +6742,7 @@
                 <a:ea typeface="Noto Sans JP" pitchFamily="34" charset="-122"/>
                 <a:cs typeface="Noto Sans JP" pitchFamily="34" charset="-120"/>
               </a:rPr>
-              <a:t>2</a:t>
+              <a:t>3</a:t>
             </a:r>
             <a:endParaRPr kumimoji="0" lang="en-US" sz="1000" b="0" i="0" u="none" strike="noStrike" kern="1200" cap="none" spc="0" normalizeH="0" baseline="0" noProof="0" dirty="0">
               <a:ln>
@@ -6830,78 +6763,6 @@
       </p:sp>
       <p:sp>
         <p:nvSpPr>
-          <p:cNvPr id="19" name="Text 17"/>
-          <p:cNvSpPr txBox="1"/>
-          <p:nvPr/>
-        </p:nvSpPr>
-        <p:spPr>
-          <a:xfrm>
-            <a:off x="6361481" y="4288872"/>
-            <a:ext cx="186538" cy="200254"/>
-          </a:xfrm>
-          <a:prstGeom prst="rect">
-            <a:avLst/>
-          </a:prstGeom>
-          <a:noFill/>
-          <a:ln/>
-        </p:spPr>
-        <p:txBody>
-          <a:bodyPr wrap="square" lIns="0" tIns="0" rIns="0" bIns="0" rtlCol="0" anchor="ctr"/>
-          <a:lstStyle/>
-          <a:p>
-            <a:pPr marL="0" marR="0" lvl="0" indent="0" algn="l" defTabSz="914400" rtl="0" eaLnBrk="1" fontAlgn="auto" latinLnBrk="0" hangingPunct="1">
-              <a:lnSpc>
-                <a:spcPct val="100000"/>
-              </a:lnSpc>
-              <a:spcBef>
-                <a:spcPts val="0"/>
-              </a:spcBef>
-              <a:spcAft>
-                <a:spcPts val="0"/>
-              </a:spcAft>
-              <a:buClrTx/>
-              <a:buSzTx/>
-              <a:buFontTx/>
-              <a:buNone/>
-              <a:tabLst/>
-              <a:defRPr/>
-            </a:pPr>
-            <a:r>
-              <a:rPr kumimoji="0" lang="en-US" sz="1000" b="1" i="0" u="none" strike="noStrike" kern="1200" cap="none" spc="0" normalizeH="0" baseline="0" noProof="0" dirty="0">
-                <a:ln>
-                  <a:noFill/>
-                </a:ln>
-                <a:solidFill>
-                  <a:srgbClr val="FFFFFF"/>
-                </a:solidFill>
-                <a:effectLst/>
-                <a:uLnTx/>
-                <a:uFillTx/>
-                <a:latin typeface="Noto Sans JP" pitchFamily="34" charset="0"/>
-                <a:ea typeface="Noto Sans JP" pitchFamily="34" charset="-122"/>
-                <a:cs typeface="Noto Sans JP" pitchFamily="34" charset="-120"/>
-              </a:rPr>
-              <a:t>3</a:t>
-            </a:r>
-            <a:endParaRPr kumimoji="0" lang="en-US" sz="1000" b="0" i="0" u="none" strike="noStrike" kern="1200" cap="none" spc="0" normalizeH="0" baseline="0" noProof="0" dirty="0">
-              <a:ln>
-                <a:noFill/>
-              </a:ln>
-              <a:solidFill>
-                <a:prstClr val="black"/>
-              </a:solidFill>
-              <a:effectLst/>
-              <a:uLnTx/>
-              <a:uFillTx/>
-              <a:latin typeface="Calibri" panose="020F0502020204030204"/>
-              <a:ea typeface="+mn-ea"/>
-              <a:cs typeface="+mn-cs"/>
-            </a:endParaRPr>
-          </a:p>
-        </p:txBody>
-      </p:sp>
-      <p:sp>
-        <p:nvSpPr>
           <p:cNvPr id="20" name="Text 18"/>
           <p:cNvSpPr txBox="1"/>
           <p:nvPr/>
@@ -7046,14 +6907,14 @@
       </p:sp>
       <p:sp>
         <p:nvSpPr>
-          <p:cNvPr id="22" name="Text 20"/>
+          <p:cNvPr id="23" name="Text 21"/>
           <p:cNvSpPr txBox="1"/>
           <p:nvPr/>
         </p:nvSpPr>
         <p:spPr>
           <a:xfrm>
-            <a:off x="1143000" y="4474495"/>
-            <a:ext cx="1004926" cy="305410"/>
+            <a:off x="6667805" y="2007444"/>
+            <a:ext cx="2052828" cy="305410"/>
           </a:xfrm>
           <a:prstGeom prst="rect">
             <a:avLst/>
@@ -7097,7 +6958,7 @@
                 <a:ea typeface="Noto Sans JP" pitchFamily="34" charset="-122"/>
                 <a:cs typeface="Noto Sans JP" pitchFamily="34" charset="-120"/>
               </a:rPr>
-              <a:t>技術仕様</a:t>
+              <a:t>コンテンツの注意点</a:t>
             </a:r>
             <a:endParaRPr kumimoji="0" lang="en-US" sz="1600" b="0" i="0" u="none" strike="noStrike" kern="1200" cap="none" spc="0" normalizeH="0" baseline="0" noProof="0" dirty="0">
               <a:ln>
@@ -7118,14 +6979,14 @@
       </p:sp>
       <p:sp>
         <p:nvSpPr>
-          <p:cNvPr id="23" name="Text 21"/>
+          <p:cNvPr id="24" name="Text 22"/>
           <p:cNvSpPr txBox="1"/>
           <p:nvPr/>
         </p:nvSpPr>
         <p:spPr>
           <a:xfrm>
-            <a:off x="6667805" y="2007444"/>
-            <a:ext cx="2052828" cy="305410"/>
+            <a:off x="6667805" y="3141300"/>
+            <a:ext cx="1624889" cy="305410"/>
           </a:xfrm>
           <a:prstGeom prst="rect">
             <a:avLst/>
@@ -7169,7 +7030,7 @@
                 <a:ea typeface="Noto Sans JP" pitchFamily="34" charset="-122"/>
                 <a:cs typeface="Noto Sans JP" pitchFamily="34" charset="-120"/>
               </a:rPr>
-              <a:t>コンテンツの注意点</a:t>
+              <a:t>プロンプト調整</a:t>
             </a:r>
             <a:endParaRPr kumimoji="0" lang="en-US" sz="1600" b="0" i="0" u="none" strike="noStrike" kern="1200" cap="none" spc="0" normalizeH="0" baseline="0" noProof="0" dirty="0">
               <a:ln>
@@ -7190,14 +7051,14 @@
       </p:sp>
       <p:sp>
         <p:nvSpPr>
-          <p:cNvPr id="24" name="Text 22"/>
+          <p:cNvPr id="25" name="Text 23"/>
           <p:cNvSpPr txBox="1"/>
           <p:nvPr/>
         </p:nvSpPr>
         <p:spPr>
           <a:xfrm>
-            <a:off x="6667805" y="3141300"/>
-            <a:ext cx="1624889" cy="305410"/>
+            <a:off x="6667805" y="4274242"/>
+            <a:ext cx="1004926" cy="305410"/>
           </a:xfrm>
           <a:prstGeom prst="rect">
             <a:avLst/>
@@ -7241,7 +7102,7 @@
                 <a:ea typeface="Noto Sans JP" pitchFamily="34" charset="-122"/>
                 <a:cs typeface="Noto Sans JP" pitchFamily="34" charset="-120"/>
               </a:rPr>
-              <a:t>プロンプト調整</a:t>
+              <a:t>禁止事項</a:t>
             </a:r>
             <a:endParaRPr kumimoji="0" lang="en-US" sz="1600" b="0" i="0" u="none" strike="noStrike" kern="1200" cap="none" spc="0" normalizeH="0" baseline="0" noProof="0" dirty="0">
               <a:ln>
@@ -7262,78 +7123,6 @@
       </p:sp>
       <p:sp>
         <p:nvSpPr>
-          <p:cNvPr id="25" name="Text 23"/>
-          <p:cNvSpPr txBox="1"/>
-          <p:nvPr/>
-        </p:nvSpPr>
-        <p:spPr>
-          <a:xfrm>
-            <a:off x="6667805" y="4274242"/>
-            <a:ext cx="1004926" cy="305410"/>
-          </a:xfrm>
-          <a:prstGeom prst="rect">
-            <a:avLst/>
-          </a:prstGeom>
-          <a:noFill/>
-          <a:ln/>
-        </p:spPr>
-        <p:txBody>
-          <a:bodyPr wrap="square" lIns="0" tIns="0" rIns="0" bIns="0" rtlCol="0" anchor="ctr"/>
-          <a:lstStyle/>
-          <a:p>
-            <a:pPr marL="0" marR="0" lvl="0" indent="0" algn="l" defTabSz="914400" rtl="0" eaLnBrk="1" fontAlgn="auto" latinLnBrk="0" hangingPunct="1">
-              <a:lnSpc>
-                <a:spcPct val="100000"/>
-              </a:lnSpc>
-              <a:spcBef>
-                <a:spcPts val="0"/>
-              </a:spcBef>
-              <a:spcAft>
-                <a:spcPts val="0"/>
-              </a:spcAft>
-              <a:buClrTx/>
-              <a:buSzTx/>
-              <a:buFontTx/>
-              <a:buNone/>
-              <a:tabLst/>
-              <a:defRPr/>
-            </a:pPr>
-            <a:r>
-              <a:rPr kumimoji="0" lang="en-US" sz="1600" b="0" i="0" u="none" strike="noStrike" kern="1200" cap="none" spc="0" normalizeH="0" baseline="0" noProof="0" dirty="0">
-                <a:ln>
-                  <a:noFill/>
-                </a:ln>
-                <a:solidFill>
-                  <a:srgbClr val="333333"/>
-                </a:solidFill>
-                <a:effectLst/>
-                <a:uLnTx/>
-                <a:uFillTx/>
-                <a:latin typeface="Noto Sans JP" pitchFamily="34" charset="0"/>
-                <a:ea typeface="Noto Sans JP" pitchFamily="34" charset="-122"/>
-                <a:cs typeface="Noto Sans JP" pitchFamily="34" charset="-120"/>
-              </a:rPr>
-              <a:t>禁止事項</a:t>
-            </a:r>
-            <a:endParaRPr kumimoji="0" lang="en-US" sz="1600" b="0" i="0" u="none" strike="noStrike" kern="1200" cap="none" spc="0" normalizeH="0" baseline="0" noProof="0" dirty="0">
-              <a:ln>
-                <a:noFill/>
-              </a:ln>
-              <a:solidFill>
-                <a:prstClr val="black"/>
-              </a:solidFill>
-              <a:effectLst/>
-              <a:uLnTx/>
-              <a:uFillTx/>
-              <a:latin typeface="Calibri" panose="020F0502020204030204"/>
-              <a:ea typeface="+mn-ea"/>
-              <a:cs typeface="+mn-cs"/>
-            </a:endParaRPr>
-          </a:p>
-        </p:txBody>
-      </p:sp>
-      <p:sp>
-        <p:nvSpPr>
           <p:cNvPr id="26" name="Text 24"/>
           <p:cNvSpPr txBox="1"/>
           <p:nvPr/>
@@ -7550,14 +7339,14 @@
       </p:sp>
       <p:sp>
         <p:nvSpPr>
-          <p:cNvPr id="29" name="Text 27"/>
+          <p:cNvPr id="31" name="Text 29"/>
           <p:cNvSpPr txBox="1"/>
           <p:nvPr/>
         </p:nvSpPr>
         <p:spPr>
           <a:xfrm>
-            <a:off x="1524305" y="4845742"/>
-            <a:ext cx="3376879" cy="247802"/>
+            <a:off x="7048195" y="2378691"/>
+            <a:ext cx="2691079" cy="247802"/>
           </a:xfrm>
           <a:prstGeom prst="rect">
             <a:avLst/>
@@ -7587,7 +7376,7 @@
               <a:defRPr/>
             </a:pPr>
             <a:r>
-              <a:rPr kumimoji="0" lang="en-US" sz="1300" b="0" i="0" u="none" strike="noStrike" kern="1200" cap="none" spc="0" normalizeH="0" baseline="0" noProof="0" dirty="0">
+              <a:rPr kumimoji="0" lang="en-US" sz="1300" b="0" i="0" u="none" strike="noStrike" kern="1200" cap="none" spc="0" normalizeH="0" baseline="0" noProof="0" dirty="0" err="1">
                 <a:ln>
                   <a:noFill/>
                 </a:ln>
@@ -7601,7 +7390,7 @@
                 <a:ea typeface="Noto Sans JP" pitchFamily="34" charset="-122"/>
                 <a:cs typeface="Noto Sans JP" pitchFamily="34" charset="-120"/>
               </a:rPr>
-              <a:t>ファイル形式：PNG、アスペクト比：16:9</a:t>
+              <a:t>商品を直接写さない</a:t>
             </a:r>
             <a:endParaRPr kumimoji="0" lang="en-US" sz="1300" b="0" i="0" u="none" strike="noStrike" kern="1200" cap="none" spc="0" normalizeH="0" baseline="0" noProof="0" dirty="0">
               <a:ln>
@@ -7622,14 +7411,14 @@
       </p:sp>
       <p:sp>
         <p:nvSpPr>
-          <p:cNvPr id="30" name="Text 28"/>
+          <p:cNvPr id="32" name="Text 30"/>
           <p:cNvSpPr txBox="1"/>
           <p:nvPr/>
         </p:nvSpPr>
         <p:spPr>
           <a:xfrm>
-            <a:off x="1524305" y="5160295"/>
-            <a:ext cx="3376879" cy="247802"/>
+            <a:off x="7048195" y="2693244"/>
+            <a:ext cx="3525594" cy="270950"/>
           </a:xfrm>
           <a:prstGeom prst="rect">
             <a:avLst/>
@@ -7659,7 +7448,7 @@
               <a:defRPr/>
             </a:pPr>
             <a:r>
-              <a:rPr kumimoji="0" lang="en-US" sz="1300" b="0" i="0" u="none" strike="noStrike" kern="1200" cap="none" spc="0" normalizeH="0" baseline="0" noProof="0" dirty="0">
+              <a:rPr kumimoji="0" lang="ja-JP" altLang="en-US" sz="1300" b="0" i="0" u="none" strike="noStrike" kern="1200" cap="none" spc="0" normalizeH="0" baseline="0" noProof="0" dirty="0">
                 <a:ln>
                   <a:noFill/>
                 </a:ln>
@@ -7673,7 +7462,29 @@
                 <a:ea typeface="Noto Sans JP" pitchFamily="34" charset="-122"/>
                 <a:cs typeface="Noto Sans JP" pitchFamily="34" charset="-120"/>
               </a:rPr>
-              <a:t>ファイル名規則：商品名_画像1_LP型.png</a:t>
+              <a:t>指が</a:t>
+            </a:r>
+            <a:r>
+              <a:rPr kumimoji="0" lang="en-US" altLang="ja-JP" sz="1300" dirty="0">
+                <a:solidFill>
+                  <a:srgbClr val="666666"/>
+                </a:solidFill>
+                <a:latin typeface="Noto Sans JP" pitchFamily="34" charset="0"/>
+                <a:ea typeface="Noto Sans JP" pitchFamily="34" charset="-122"/>
+                <a:cs typeface="Noto Sans JP" pitchFamily="34" charset="-120"/>
+              </a:rPr>
+              <a:t>6</a:t>
+            </a:r>
+            <a:r>
+              <a:rPr kumimoji="0" lang="ja-JP" altLang="en-US" sz="1300" dirty="0">
+                <a:solidFill>
+                  <a:srgbClr val="666666"/>
+                </a:solidFill>
+                <a:latin typeface="Noto Sans JP" pitchFamily="34" charset="0"/>
+                <a:ea typeface="Noto Sans JP" pitchFamily="34" charset="-122"/>
+                <a:cs typeface="Noto Sans JP" pitchFamily="34" charset="-120"/>
+              </a:rPr>
+              <a:t>本ある、など違和感をそのままにしない</a:t>
             </a:r>
             <a:endParaRPr kumimoji="0" lang="en-US" sz="1300" b="0" i="0" u="none" strike="noStrike" kern="1200" cap="none" spc="0" normalizeH="0" baseline="0" noProof="0" dirty="0">
               <a:ln>
@@ -7694,14 +7505,14 @@
       </p:sp>
       <p:sp>
         <p:nvSpPr>
-          <p:cNvPr id="31" name="Text 29"/>
+          <p:cNvPr id="33" name="Text 31"/>
           <p:cNvSpPr txBox="1"/>
           <p:nvPr/>
         </p:nvSpPr>
         <p:spPr>
           <a:xfrm>
-            <a:off x="7048195" y="2378691"/>
-            <a:ext cx="2691079" cy="247802"/>
+            <a:off x="7048195" y="3512547"/>
+            <a:ext cx="3900830" cy="247802"/>
           </a:xfrm>
           <a:prstGeom prst="rect">
             <a:avLst/>
@@ -7745,7 +7556,7 @@
                 <a:ea typeface="Noto Sans JP" pitchFamily="34" charset="-122"/>
                 <a:cs typeface="Noto Sans JP" pitchFamily="34" charset="-120"/>
               </a:rPr>
-              <a:t>商品を直接写さない（SEO対策）</a:t>
+              <a:t>シーン・時間帯・雰囲気を商品に合わせて微調整</a:t>
             </a:r>
             <a:endParaRPr kumimoji="0" lang="en-US" sz="1300" b="0" i="0" u="none" strike="noStrike" kern="1200" cap="none" spc="0" normalizeH="0" baseline="0" noProof="0" dirty="0">
               <a:ln>
@@ -7766,14 +7577,14 @@
       </p:sp>
       <p:sp>
         <p:nvSpPr>
-          <p:cNvPr id="32" name="Text 30"/>
+          <p:cNvPr id="34" name="Text 32"/>
           <p:cNvSpPr txBox="1"/>
           <p:nvPr/>
         </p:nvSpPr>
         <p:spPr>
           <a:xfrm>
-            <a:off x="7048195" y="2693244"/>
-            <a:ext cx="2701138" cy="247802"/>
+            <a:off x="7048195" y="3827100"/>
+            <a:ext cx="3044038" cy="247802"/>
           </a:xfrm>
           <a:prstGeom prst="rect">
             <a:avLst/>
@@ -7817,7 +7628,7 @@
                 <a:ea typeface="Noto Sans JP" pitchFamily="34" charset="-122"/>
                 <a:cs typeface="Noto Sans JP" pitchFamily="34" charset="-120"/>
               </a:rPr>
-              <a:t>人物の顔は鮮明すぎないよう調整</a:t>
+              <a:t>各画像の役割に合わせた内容に最適化</a:t>
             </a:r>
             <a:endParaRPr kumimoji="0" lang="en-US" sz="1300" b="0" i="0" u="none" strike="noStrike" kern="1200" cap="none" spc="0" normalizeH="0" baseline="0" noProof="0" dirty="0">
               <a:ln>
@@ -7838,14 +7649,14 @@
       </p:sp>
       <p:sp>
         <p:nvSpPr>
-          <p:cNvPr id="33" name="Text 31"/>
+          <p:cNvPr id="35" name="Text 33"/>
           <p:cNvSpPr txBox="1"/>
           <p:nvPr/>
         </p:nvSpPr>
         <p:spPr>
           <a:xfrm>
-            <a:off x="7048195" y="3512547"/>
-            <a:ext cx="3900830" cy="247802"/>
+            <a:off x="7048195" y="4645488"/>
+            <a:ext cx="2529230" cy="247802"/>
           </a:xfrm>
           <a:prstGeom prst="rect">
             <a:avLst/>
@@ -7889,7 +7700,7 @@
                 <a:ea typeface="Noto Sans JP" pitchFamily="34" charset="-122"/>
                 <a:cs typeface="Noto Sans JP" pitchFamily="34" charset="-120"/>
               </a:rPr>
-              <a:t>シーン・時間帯・雰囲気を商品に合わせて微調整</a:t>
+              <a:t>画像内に文字や文章を入れない</a:t>
             </a:r>
             <a:endParaRPr kumimoji="0" lang="en-US" sz="1300" b="0" i="0" u="none" strike="noStrike" kern="1200" cap="none" spc="0" normalizeH="0" baseline="0" noProof="0" dirty="0">
               <a:ln>
@@ -7910,14 +7721,14 @@
       </p:sp>
       <p:sp>
         <p:nvSpPr>
-          <p:cNvPr id="34" name="Text 32"/>
+          <p:cNvPr id="36" name="Text 34"/>
           <p:cNvSpPr txBox="1"/>
           <p:nvPr/>
         </p:nvSpPr>
         <p:spPr>
           <a:xfrm>
-            <a:off x="7048195" y="3827100"/>
-            <a:ext cx="3044038" cy="247802"/>
+            <a:off x="7048195" y="4960042"/>
+            <a:ext cx="2510028" cy="247802"/>
           </a:xfrm>
           <a:prstGeom prst="rect">
             <a:avLst/>
@@ -7961,7 +7772,7 @@
                 <a:ea typeface="Noto Sans JP" pitchFamily="34" charset="-122"/>
                 <a:cs typeface="Noto Sans JP" pitchFamily="34" charset="-120"/>
               </a:rPr>
-              <a:t>各画像の役割に合わせた内容に最適化</a:t>
+              <a:t>アスペクト比は必ず16:9を維持</a:t>
             </a:r>
             <a:endParaRPr kumimoji="0" lang="en-US" sz="1300" b="0" i="0" u="none" strike="noStrike" kern="1200" cap="none" spc="0" normalizeH="0" baseline="0" noProof="0" dirty="0">
               <a:ln>
@@ -7982,14 +7793,68 @@
       </p:sp>
       <p:sp>
         <p:nvSpPr>
-          <p:cNvPr id="35" name="Text 33"/>
+          <p:cNvPr id="37" name="Shape 35"/>
+          <p:cNvSpPr/>
+          <p:nvPr/>
+        </p:nvSpPr>
+        <p:spPr>
+          <a:xfrm>
+            <a:off x="761695" y="5771860"/>
+            <a:ext cx="10668305" cy="666885"/>
+          </a:xfrm>
+          <a:prstGeom prst="rect">
+            <a:avLst/>
+          </a:prstGeom>
+          <a:solidFill>
+            <a:srgbClr val="F9F9F9"/>
+          </a:solidFill>
+          <a:ln/>
+        </p:spPr>
+        <p:txBody>
+          <a:bodyPr/>
+          <a:lstStyle/>
+          <a:p>
+            <a:endParaRPr lang="ja-JP" altLang="en-US"/>
+          </a:p>
+        </p:txBody>
+      </p:sp>
+      <p:sp>
+        <p:nvSpPr>
+          <p:cNvPr id="38" name="Shape 36"/>
+          <p:cNvSpPr/>
+          <p:nvPr/>
+        </p:nvSpPr>
+        <p:spPr>
+          <a:xfrm>
+            <a:off x="761695" y="5507453"/>
+            <a:ext cx="38405" cy="889035"/>
+          </a:xfrm>
+          <a:prstGeom prst="rect">
+            <a:avLst/>
+          </a:prstGeom>
+          <a:solidFill>
+            <a:srgbClr val="BF0000"/>
+          </a:solidFill>
+          <a:ln/>
+        </p:spPr>
+        <p:txBody>
+          <a:bodyPr/>
+          <a:lstStyle/>
+          <a:p>
+            <a:endParaRPr lang="ja-JP" altLang="en-US"/>
+          </a:p>
+        </p:txBody>
+      </p:sp>
+      <p:sp>
+        <p:nvSpPr>
+          <p:cNvPr id="39" name="Text 37"/>
           <p:cNvSpPr txBox="1"/>
           <p:nvPr/>
         </p:nvSpPr>
         <p:spPr>
           <a:xfrm>
-            <a:off x="7048195" y="4645488"/>
-            <a:ext cx="2529230" cy="247802"/>
+            <a:off x="914400" y="5453022"/>
+            <a:ext cx="2048256" cy="277063"/>
           </a:xfrm>
           <a:prstGeom prst="rect">
             <a:avLst/>
@@ -8019,12 +7884,12 @@
               <a:defRPr/>
             </a:pPr>
             <a:r>
-              <a:rPr kumimoji="0" lang="en-US" sz="1300" b="0" i="0" u="none" strike="noStrike" kern="1200" cap="none" spc="0" normalizeH="0" baseline="0" noProof="0" dirty="0">
+              <a:rPr kumimoji="0" lang="en-US" sz="1500" b="1" i="0" u="none" strike="noStrike" kern="1200" cap="none" spc="0" normalizeH="0" baseline="0" noProof="0" dirty="0">
                 <a:ln>
                   <a:noFill/>
                 </a:ln>
                 <a:solidFill>
-                  <a:srgbClr val="666666"/>
+                  <a:srgbClr val="333333"/>
                 </a:solidFill>
                 <a:effectLst/>
                 <a:uLnTx/>
@@ -8033,7 +7898,79 @@
                 <a:ea typeface="Noto Sans JP" pitchFamily="34" charset="-122"/>
                 <a:cs typeface="Noto Sans JP" pitchFamily="34" charset="-120"/>
               </a:rPr>
-              <a:t>画像内に文字や文章を入れない</a:t>
+              <a:t>共通チェックポイント</a:t>
+            </a:r>
+            <a:endParaRPr kumimoji="0" lang="en-US" sz="1500" b="0" i="0" u="none" strike="noStrike" kern="1200" cap="none" spc="0" normalizeH="0" baseline="0" noProof="0" dirty="0">
+              <a:ln>
+                <a:noFill/>
+              </a:ln>
+              <a:solidFill>
+                <a:prstClr val="black"/>
+              </a:solidFill>
+              <a:effectLst/>
+              <a:uLnTx/>
+              <a:uFillTx/>
+              <a:latin typeface="Calibri" panose="020F0502020204030204"/>
+              <a:ea typeface="+mn-ea"/>
+              <a:cs typeface="+mn-cs"/>
+            </a:endParaRPr>
+          </a:p>
+        </p:txBody>
+      </p:sp>
+      <p:sp>
+        <p:nvSpPr>
+          <p:cNvPr id="40" name="Text 38"/>
+          <p:cNvSpPr txBox="1"/>
+          <p:nvPr/>
+        </p:nvSpPr>
+        <p:spPr>
+          <a:xfrm>
+            <a:off x="1295705" y="5815124"/>
+            <a:ext cx="5853989" cy="247802"/>
+          </a:xfrm>
+          <a:prstGeom prst="rect">
+            <a:avLst/>
+          </a:prstGeom>
+          <a:noFill/>
+          <a:ln/>
+        </p:spPr>
+        <p:txBody>
+          <a:bodyPr wrap="square" lIns="0" tIns="0" rIns="0" bIns="0" rtlCol="0" anchor="ctr"/>
+          <a:lstStyle/>
+          <a:p>
+            <a:pPr marL="0" marR="0" lvl="0" indent="0" algn="l" defTabSz="914400" rtl="0" eaLnBrk="1" fontAlgn="auto" latinLnBrk="0" hangingPunct="1">
+              <a:lnSpc>
+                <a:spcPct val="100000"/>
+              </a:lnSpc>
+              <a:spcBef>
+                <a:spcPts val="0"/>
+              </a:spcBef>
+              <a:spcAft>
+                <a:spcPts val="0"/>
+              </a:spcAft>
+              <a:buClrTx/>
+              <a:buSzTx/>
+              <a:buFontTx/>
+              <a:buNone/>
+              <a:tabLst/>
+              <a:defRPr/>
+            </a:pPr>
+            <a:r>
+              <a:rPr kumimoji="0" lang="en-US" sz="1300" b="0" i="0" u="none" strike="noStrike" kern="1200" cap="none" spc="0" normalizeH="0" baseline="0" noProof="0" dirty="0">
+                <a:ln>
+                  <a:noFill/>
+                </a:ln>
+                <a:solidFill>
+                  <a:srgbClr val="666666"/>
+                </a:solidFill>
+                <a:effectLst/>
+                <a:uLnTx/>
+                <a:uFillTx/>
+                <a:latin typeface="Noto Sans JP" pitchFamily="34" charset="0"/>
+                <a:ea typeface="Noto Sans JP" pitchFamily="34" charset="-122"/>
+                <a:cs typeface="Noto Sans JP" pitchFamily="34" charset="-120"/>
+              </a:rPr>
+              <a:t>・色味・トーンの統一（4枚の画像で一貫したビジュアルイメージを維持）</a:t>
             </a:r>
             <a:endParaRPr kumimoji="0" lang="en-US" sz="1300" b="0" i="0" u="none" strike="noStrike" kern="1200" cap="none" spc="0" normalizeH="0" baseline="0" noProof="0" dirty="0">
               <a:ln>
@@ -8054,14 +7991,14 @@
       </p:sp>
       <p:sp>
         <p:nvSpPr>
-          <p:cNvPr id="36" name="Text 34"/>
+          <p:cNvPr id="41" name="Text 39"/>
           <p:cNvSpPr txBox="1"/>
           <p:nvPr/>
         </p:nvSpPr>
         <p:spPr>
           <a:xfrm>
-            <a:off x="7048195" y="4960042"/>
-            <a:ext cx="2510028" cy="247802"/>
+            <a:off x="1295705" y="6128763"/>
+            <a:ext cx="5882335" cy="247802"/>
           </a:xfrm>
           <a:prstGeom prst="rect">
             <a:avLst/>
@@ -8105,7 +8042,7 @@
                 <a:ea typeface="Noto Sans JP" pitchFamily="34" charset="-122"/>
                 <a:cs typeface="Noto Sans JP" pitchFamily="34" charset="-120"/>
               </a:rPr>
-              <a:t>アスペクト比は必ず16:9を維持</a:t>
+              <a:t>・4枚全体の整合性を最終確認（画像が伝えるストーリーの流れが自然か）</a:t>
             </a:r>
             <a:endParaRPr kumimoji="0" lang="en-US" sz="1300" b="0" i="0" u="none" strike="noStrike" kern="1200" cap="none" spc="0" normalizeH="0" baseline="0" noProof="0" dirty="0">
               <a:ln>
@@ -8124,70 +8061,123 @@
           </a:p>
         </p:txBody>
       </p:sp>
-      <p:sp>
-        <p:nvSpPr>
-          <p:cNvPr id="37" name="Shape 35"/>
-          <p:cNvSpPr/>
+    </p:spTree>
+  </p:cSld>
+  <p:clrMapOvr>
+    <a:masterClrMapping/>
+  </p:clrMapOvr>
+</p:sld>
+</file>
+
+<file path=ppt/slides/slide6.xml><?xml version="1.0" encoding="utf-8"?>
+<p:sld xmlns:a="http://schemas.openxmlformats.org/drawingml/2006/main" xmlns:r="http://schemas.openxmlformats.org/officeDocument/2006/relationships" xmlns:p="http://schemas.openxmlformats.org/presentationml/2006/main">
+  <p:cSld>
+    <p:spTree>
+      <p:nvGrpSpPr>
+        <p:cNvPr id="1" name=""/>
+        <p:cNvGrpSpPr/>
+        <p:nvPr/>
+      </p:nvGrpSpPr>
+      <p:grpSpPr>
+        <a:xfrm>
+          <a:off x="0" y="0"/>
+          <a:ext cx="0" cy="0"/>
+          <a:chOff x="0" y="0"/>
+          <a:chExt cx="0" cy="0"/>
+        </a:xfrm>
+      </p:grpSpPr>
+      <p:sp>
+        <p:nvSpPr>
+          <p:cNvPr id="2" name="Text 1">
+            <a:extLst>
+              <a:ext uri="{FF2B5EF4-FFF2-40B4-BE49-F238E27FC236}">
+                <a16:creationId xmlns:a16="http://schemas.microsoft.com/office/drawing/2014/main" id="{7B6BD68E-69B5-F374-3F95-6D54C6CCA745}"/>
+              </a:ext>
+            </a:extLst>
+          </p:cNvPr>
+          <p:cNvSpPr txBox="1"/>
           <p:nvPr/>
         </p:nvSpPr>
         <p:spPr>
           <a:xfrm>
-            <a:off x="761695" y="6029554"/>
-            <a:ext cx="10668305" cy="666885"/>
+            <a:off x="952805" y="580644"/>
+            <a:ext cx="8440577" cy="581558"/>
           </a:xfrm>
           <a:prstGeom prst="rect">
             <a:avLst/>
           </a:prstGeom>
-          <a:solidFill>
-            <a:srgbClr val="F9F9F9"/>
-          </a:solidFill>
+          <a:noFill/>
           <a:ln/>
         </p:spPr>
         <p:txBody>
-          <a:bodyPr/>
-          <a:lstStyle/>
-          <a:p>
-            <a:endParaRPr lang="ja-JP" altLang="en-US"/>
-          </a:p>
-        </p:txBody>
-      </p:sp>
-      <p:sp>
-        <p:nvSpPr>
-          <p:cNvPr id="38" name="Shape 36"/>
-          <p:cNvSpPr/>
+          <a:bodyPr wrap="square" lIns="0" tIns="0" rIns="0" bIns="0" rtlCol="0" anchor="ctr"/>
+          <a:lstStyle/>
+          <a:p>
+            <a:pPr lvl="0">
+              <a:defRPr/>
+            </a:pPr>
+            <a:r>
+              <a:rPr kumimoji="0" lang="ja-JP" altLang="en-US" sz="3100" b="1" dirty="0">
+                <a:solidFill>
+                  <a:prstClr val="black"/>
+                </a:solidFill>
+              </a:rPr>
+              <a:t>それでは、実際の作業手順をご紹介します</a:t>
+            </a:r>
+            <a:endParaRPr kumimoji="0" lang="en-US" altLang="ja-JP" sz="3100" b="1" dirty="0">
+              <a:solidFill>
+                <a:prstClr val="black"/>
+              </a:solidFill>
+            </a:endParaRPr>
+          </a:p>
+        </p:txBody>
+      </p:sp>
+      <p:pic>
+        <p:nvPicPr>
+          <p:cNvPr id="6" name="図 5">
+            <a:extLst>
+              <a:ext uri="{FF2B5EF4-FFF2-40B4-BE49-F238E27FC236}">
+                <a16:creationId xmlns:a16="http://schemas.microsoft.com/office/drawing/2014/main" id="{5C62A828-5E2D-8F77-C2EE-A01A133B6881}"/>
+              </a:ext>
+            </a:extLst>
+          </p:cNvPr>
+          <p:cNvPicPr>
+            <a:picLocks noChangeAspect="1"/>
+          </p:cNvPicPr>
           <p:nvPr/>
-        </p:nvSpPr>
+        </p:nvPicPr>
+        <p:blipFill>
+          <a:blip r:embed="rId2"/>
+          <a:stretch>
+            <a:fillRect/>
+          </a:stretch>
+        </p:blipFill>
         <p:spPr>
           <a:xfrm>
-            <a:off x="761695" y="5765147"/>
-            <a:ext cx="38405" cy="889035"/>
+            <a:off x="1033604" y="3045842"/>
+            <a:ext cx="8232759" cy="3504587"/>
           </a:xfrm>
           <a:prstGeom prst="rect">
             <a:avLst/>
           </a:prstGeom>
-          <a:solidFill>
-            <a:srgbClr val="BF0000"/>
-          </a:solidFill>
-          <a:ln/>
         </p:spPr>
-        <p:txBody>
-          <a:bodyPr/>
-          <a:lstStyle/>
-          <a:p>
-            <a:endParaRPr lang="ja-JP" altLang="en-US"/>
-          </a:p>
-        </p:txBody>
-      </p:sp>
-      <p:sp>
-        <p:nvSpPr>
-          <p:cNvPr id="39" name="Text 37"/>
+      </p:pic>
+      <p:sp>
+        <p:nvSpPr>
+          <p:cNvPr id="7" name="Text 4">
+            <a:extLst>
+              <a:ext uri="{FF2B5EF4-FFF2-40B4-BE49-F238E27FC236}">
+                <a16:creationId xmlns:a16="http://schemas.microsoft.com/office/drawing/2014/main" id="{30F21767-C7C5-5478-83B7-35468B08FF88}"/>
+              </a:ext>
+            </a:extLst>
+          </p:cNvPr>
           <p:cNvSpPr txBox="1"/>
           <p:nvPr/>
         </p:nvSpPr>
         <p:spPr>
           <a:xfrm>
-            <a:off x="914400" y="5710716"/>
-            <a:ext cx="2048256" cy="277063"/>
+            <a:off x="1033604" y="1262284"/>
+            <a:ext cx="9373931" cy="1638858"/>
           </a:xfrm>
           <a:prstGeom prst="rect">
             <a:avLst/>
@@ -8217,7 +8207,7 @@
               <a:defRPr/>
             </a:pPr>
             <a:r>
-              <a:rPr kumimoji="0" lang="en-US" sz="1500" b="1" i="0" u="none" strike="noStrike" kern="1200" cap="none" spc="0" normalizeH="0" baseline="0" noProof="0" dirty="0">
+              <a:rPr kumimoji="0" lang="ja-JP" altLang="en-US" sz="2100" b="1" i="0" u="none" strike="noStrike" kern="1200" cap="none" spc="0" normalizeH="0" baseline="0" noProof="0" dirty="0">
                 <a:ln>
                   <a:noFill/>
                 </a:ln>
@@ -8231,45 +8221,47 @@
                 <a:ea typeface="Noto Sans JP" pitchFamily="34" charset="-122"/>
                 <a:cs typeface="Noto Sans JP" pitchFamily="34" charset="-120"/>
               </a:rPr>
-              <a:t>共通チェックポイント</a:t>
-            </a:r>
-            <a:endParaRPr kumimoji="0" lang="en-US" sz="1500" b="0" i="0" u="none" strike="noStrike" kern="1200" cap="none" spc="0" normalizeH="0" baseline="0" noProof="0" dirty="0">
+              <a:t>画像編集ソフト上の指示に従い作業を進めてください。</a:t>
+            </a:r>
+            <a:endParaRPr kumimoji="0" lang="en-US" altLang="ja-JP" sz="2100" b="1" i="0" u="none" strike="noStrike" kern="1200" cap="none" spc="0" normalizeH="0" baseline="0" noProof="0" dirty="0">
               <a:ln>
                 <a:noFill/>
               </a:ln>
               <a:solidFill>
-                <a:prstClr val="black"/>
+                <a:srgbClr val="333333"/>
               </a:solidFill>
               <a:effectLst/>
               <a:uLnTx/>
               <a:uFillTx/>
-              <a:latin typeface="Calibri" panose="020F0502020204030204"/>
-              <a:ea typeface="+mn-ea"/>
-              <a:cs typeface="+mn-cs"/>
+              <a:latin typeface="Noto Sans JP" pitchFamily="34" charset="0"/>
+              <a:ea typeface="Noto Sans JP" pitchFamily="34" charset="-122"/>
+              <a:cs typeface="Noto Sans JP" pitchFamily="34" charset="-120"/>
             </a:endParaRPr>
           </a:p>
-        </p:txBody>
-      </p:sp>
-      <p:sp>
-        <p:nvSpPr>
-          <p:cNvPr id="40" name="Text 38"/>
-          <p:cNvSpPr txBox="1"/>
-          <p:nvPr/>
-        </p:nvSpPr>
-        <p:spPr>
-          <a:xfrm>
-            <a:off x="1295705" y="6072818"/>
-            <a:ext cx="5853989" cy="247802"/>
-          </a:xfrm>
-          <a:prstGeom prst="rect">
-            <a:avLst/>
-          </a:prstGeom>
-          <a:noFill/>
-          <a:ln/>
-        </p:spPr>
-        <p:txBody>
-          <a:bodyPr wrap="square" lIns="0" tIns="0" rIns="0" bIns="0" rtlCol="0" anchor="ctr"/>
-          <a:lstStyle/>
+          <a:p>
+            <a:pPr lvl="0">
+              <a:defRPr/>
+            </a:pPr>
+            <a:r>
+              <a:rPr kumimoji="0" lang="ja-JP" altLang="en-US" sz="2100" b="1" dirty="0">
+                <a:solidFill>
+                  <a:srgbClr val="333333"/>
+                </a:solidFill>
+                <a:latin typeface="Noto Sans JP" pitchFamily="34" charset="0"/>
+                <a:ea typeface="Noto Sans JP" pitchFamily="34" charset="-122"/>
+                <a:cs typeface="Noto Sans JP" pitchFamily="34" charset="-120"/>
+              </a:rPr>
+              <a:t>案件①用リンク：オールインワン美容液「モイスチャーセラム」</a:t>
+            </a:r>
+            <a:endParaRPr kumimoji="0" lang="en-US" altLang="ja-JP" sz="2100" b="1" dirty="0">
+              <a:solidFill>
+                <a:srgbClr val="333333"/>
+              </a:solidFill>
+              <a:latin typeface="Noto Sans JP" pitchFamily="34" charset="0"/>
+              <a:ea typeface="Noto Sans JP" pitchFamily="34" charset="-122"/>
+              <a:cs typeface="Noto Sans JP" pitchFamily="34" charset="-120"/>
+            </a:endParaRPr>
+          </a:p>
           <a:p>
             <a:pPr marL="0" marR="0" lvl="0" indent="0" algn="l" defTabSz="914400" rtl="0" eaLnBrk="1" fontAlgn="auto" latinLnBrk="0" hangingPunct="1">
               <a:lnSpc>
@@ -8289,12 +8281,12 @@
               <a:defRPr/>
             </a:pPr>
             <a:r>
-              <a:rPr kumimoji="0" lang="en-US" sz="1300" b="0" i="0" u="none" strike="noStrike" kern="1200" cap="none" spc="0" normalizeH="0" baseline="0" noProof="0" dirty="0">
+              <a:rPr kumimoji="0" lang="ja-JP" altLang="en-US" sz="2100" b="1" i="0" u="none" strike="noStrike" kern="1200" cap="none" spc="0" normalizeH="0" baseline="0" noProof="0" dirty="0">
                 <a:ln>
                   <a:noFill/>
                 </a:ln>
                 <a:solidFill>
-                  <a:srgbClr val="666666"/>
+                  <a:srgbClr val="333333"/>
                 </a:solidFill>
                 <a:effectLst/>
                 <a:uLnTx/>
@@ -8303,45 +8295,23 @@
                 <a:ea typeface="Noto Sans JP" pitchFamily="34" charset="-122"/>
                 <a:cs typeface="Noto Sans JP" pitchFamily="34" charset="-120"/>
               </a:rPr>
-              <a:t>・色味・トーンの統一（4枚の画像で一貫したビジュアルイメージを維持）</a:t>
-            </a:r>
-            <a:endParaRPr kumimoji="0" lang="en-US" sz="1300" b="0" i="0" u="none" strike="noStrike" kern="1200" cap="none" spc="0" normalizeH="0" baseline="0" noProof="0" dirty="0">
+              <a:t>案件②用リンク：</a:t>
+            </a:r>
+            <a:endParaRPr kumimoji="0" lang="en-US" altLang="ja-JP" sz="2100" b="1" i="0" u="none" strike="noStrike" kern="1200" cap="none" spc="0" normalizeH="0" baseline="0" noProof="0" dirty="0">
               <a:ln>
                 <a:noFill/>
               </a:ln>
               <a:solidFill>
-                <a:prstClr val="black"/>
+                <a:srgbClr val="333333"/>
               </a:solidFill>
               <a:effectLst/>
               <a:uLnTx/>
               <a:uFillTx/>
-              <a:latin typeface="Calibri" panose="020F0502020204030204"/>
-              <a:ea typeface="+mn-ea"/>
-              <a:cs typeface="+mn-cs"/>
+              <a:latin typeface="Noto Sans JP" pitchFamily="34" charset="0"/>
+              <a:ea typeface="Noto Sans JP" pitchFamily="34" charset="-122"/>
+              <a:cs typeface="Noto Sans JP" pitchFamily="34" charset="-120"/>
             </a:endParaRPr>
           </a:p>
-        </p:txBody>
-      </p:sp>
-      <p:sp>
-        <p:nvSpPr>
-          <p:cNvPr id="41" name="Text 39"/>
-          <p:cNvSpPr txBox="1"/>
-          <p:nvPr/>
-        </p:nvSpPr>
-        <p:spPr>
-          <a:xfrm>
-            <a:off x="1295705" y="6386457"/>
-            <a:ext cx="5882335" cy="247802"/>
-          </a:xfrm>
-          <a:prstGeom prst="rect">
-            <a:avLst/>
-          </a:prstGeom>
-          <a:noFill/>
-          <a:ln/>
-        </p:spPr>
-        <p:txBody>
-          <a:bodyPr wrap="square" lIns="0" tIns="0" rIns="0" bIns="0" rtlCol="0" anchor="ctr"/>
-          <a:lstStyle/>
           <a:p>
             <a:pPr marL="0" marR="0" lvl="0" indent="0" algn="l" defTabSz="914400" rtl="0" eaLnBrk="1" fontAlgn="auto" latinLnBrk="0" hangingPunct="1">
               <a:lnSpc>
@@ -8361,40 +8331,39 @@
               <a:defRPr/>
             </a:pPr>
             <a:r>
-              <a:rPr kumimoji="0" lang="en-US" sz="1300" b="0" i="0" u="none" strike="noStrike" kern="1200" cap="none" spc="0" normalizeH="0" baseline="0" noProof="0" dirty="0">
-                <a:ln>
-                  <a:noFill/>
-                </a:ln>
-                <a:solidFill>
-                  <a:srgbClr val="666666"/>
-                </a:solidFill>
-                <a:effectLst/>
-                <a:uLnTx/>
-                <a:uFillTx/>
+              <a:rPr kumimoji="0" lang="ja-JP" altLang="en-US" sz="2100" b="1" dirty="0">
+                <a:solidFill>
+                  <a:srgbClr val="333333"/>
+                </a:solidFill>
                 <a:latin typeface="Noto Sans JP" pitchFamily="34" charset="0"/>
                 <a:ea typeface="Noto Sans JP" pitchFamily="34" charset="-122"/>
                 <a:cs typeface="Noto Sans JP" pitchFamily="34" charset="-120"/>
               </a:rPr>
-              <a:t>・4枚全体の整合性を最終確認（画像が伝えるストーリーの流れが自然か）</a:t>
-            </a:r>
-            <a:endParaRPr kumimoji="0" lang="en-US" sz="1300" b="0" i="0" u="none" strike="noStrike" kern="1200" cap="none" spc="0" normalizeH="0" baseline="0" noProof="0" dirty="0">
+              <a:t>案件③用リンク</a:t>
+            </a:r>
+            <a:endParaRPr kumimoji="0" lang="en-US" altLang="ja-JP" sz="2100" b="1" i="0" u="none" strike="noStrike" kern="1200" cap="none" spc="0" normalizeH="0" baseline="0" noProof="0" dirty="0">
               <a:ln>
                 <a:noFill/>
               </a:ln>
               <a:solidFill>
-                <a:prstClr val="black"/>
+                <a:srgbClr val="333333"/>
               </a:solidFill>
               <a:effectLst/>
               <a:uLnTx/>
               <a:uFillTx/>
-              <a:latin typeface="Calibri" panose="020F0502020204030204"/>
-              <a:ea typeface="+mn-ea"/>
-              <a:cs typeface="+mn-cs"/>
+              <a:latin typeface="Noto Sans JP" pitchFamily="34" charset="0"/>
+              <a:ea typeface="Noto Sans JP" pitchFamily="34" charset="-122"/>
+              <a:cs typeface="Noto Sans JP" pitchFamily="34" charset="-120"/>
             </a:endParaRPr>
           </a:p>
         </p:txBody>
       </p:sp>
     </p:spTree>
+    <p:extLst>
+      <p:ext uri="{BB962C8B-B14F-4D97-AF65-F5344CB8AC3E}">
+        <p14:creationId xmlns:p14="http://schemas.microsoft.com/office/powerpoint/2010/main" val="2284354846"/>
+      </p:ext>
+    </p:extLst>
   </p:cSld>
   <p:clrMapOvr>
     <a:masterClrMapping/>

--- a/workshops/20251025/20251025_LP作成ワーカー作業マニュアル.pptx
+++ b/workshops/20251025/20251025_LP作成ワーカー作業マニュアル.pptx
@@ -8132,36 +8132,6 @@
           </a:p>
         </p:txBody>
       </p:sp>
-      <p:pic>
-        <p:nvPicPr>
-          <p:cNvPr id="6" name="図 5">
-            <a:extLst>
-              <a:ext uri="{FF2B5EF4-FFF2-40B4-BE49-F238E27FC236}">
-                <a16:creationId xmlns:a16="http://schemas.microsoft.com/office/drawing/2014/main" id="{5C62A828-5E2D-8F77-C2EE-A01A133B6881}"/>
-              </a:ext>
-            </a:extLst>
-          </p:cNvPr>
-          <p:cNvPicPr>
-            <a:picLocks noChangeAspect="1"/>
-          </p:cNvPicPr>
-          <p:nvPr/>
-        </p:nvPicPr>
-        <p:blipFill>
-          <a:blip r:embed="rId2"/>
-          <a:stretch>
-            <a:fillRect/>
-          </a:stretch>
-        </p:blipFill>
-        <p:spPr>
-          <a:xfrm>
-            <a:off x="1033604" y="3045842"/>
-            <a:ext cx="8232759" cy="3504587"/>
-          </a:xfrm>
-          <a:prstGeom prst="rect">
-            <a:avLst/>
-          </a:prstGeom>
-        </p:spPr>
-      </p:pic>
       <p:sp>
         <p:nvSpPr>
           <p:cNvPr id="7" name="Text 4">
@@ -8176,8 +8146,8 @@
         </p:nvSpPr>
         <p:spPr>
           <a:xfrm>
-            <a:off x="1033604" y="1262284"/>
-            <a:ext cx="9373931" cy="1638858"/>
+            <a:off x="1033604" y="1262283"/>
+            <a:ext cx="9373931" cy="2844203"/>
           </a:xfrm>
           <a:prstGeom prst="rect">
             <a:avLst/>
@@ -8251,7 +8221,118 @@
                 <a:ea typeface="Noto Sans JP" pitchFamily="34" charset="-122"/>
                 <a:cs typeface="Noto Sans JP" pitchFamily="34" charset="-120"/>
               </a:rPr>
-              <a:t>案件①用リンク：オールインワン美容液「モイスチャーセラム」</a:t>
+              <a:t>①</a:t>
+            </a:r>
+            <a:r>
+              <a:rPr kumimoji="0" lang="ja-JP" altLang="en-US" sz="2100" b="1" dirty="0">
+                <a:solidFill>
+                  <a:srgbClr val="333333"/>
+                </a:solidFill>
+                <a:latin typeface="Noto Sans JP" pitchFamily="34" charset="0"/>
+                <a:ea typeface="Noto Sans JP" pitchFamily="34" charset="-122"/>
+                <a:cs typeface="Noto Sans JP" pitchFamily="34" charset="-120"/>
+                <a:hlinkClick r:id="rId2"/>
+              </a:rPr>
+              <a:t>オールインワン美容液「モイスチャーセラム」</a:t>
+            </a:r>
+            <a:r>
+              <a:rPr kumimoji="0" lang="en-US" altLang="ja-JP" sz="2100" b="1" dirty="0">
+                <a:solidFill>
+                  <a:srgbClr val="333333"/>
+                </a:solidFill>
+                <a:latin typeface="Noto Sans JP" pitchFamily="34" charset="0"/>
+                <a:ea typeface="Noto Sans JP" pitchFamily="34" charset="-122"/>
+                <a:cs typeface="Noto Sans JP" pitchFamily="34" charset="-120"/>
+                <a:hlinkClick r:id="rId2"/>
+              </a:rPr>
+              <a:t>_</a:t>
+            </a:r>
+            <a:r>
+              <a:rPr kumimoji="0" lang="ja-JP" altLang="en-US" sz="2100" b="1" dirty="0">
+                <a:solidFill>
+                  <a:srgbClr val="333333"/>
+                </a:solidFill>
+                <a:latin typeface="Noto Sans JP" pitchFamily="34" charset="0"/>
+                <a:ea typeface="Noto Sans JP" pitchFamily="34" charset="-122"/>
+                <a:cs typeface="Noto Sans JP" pitchFamily="34" charset="-120"/>
+                <a:hlinkClick r:id="rId2"/>
+              </a:rPr>
+              <a:t>説明型</a:t>
+            </a:r>
+            <a:r>
+              <a:rPr kumimoji="0" lang="en-US" altLang="ja-JP" sz="2100" b="1" dirty="0">
+                <a:solidFill>
+                  <a:srgbClr val="333333"/>
+                </a:solidFill>
+                <a:latin typeface="Noto Sans JP" pitchFamily="34" charset="0"/>
+                <a:ea typeface="Noto Sans JP" pitchFamily="34" charset="-122"/>
+                <a:cs typeface="Noto Sans JP" pitchFamily="34" charset="-120"/>
+              </a:rPr>
+              <a:t>a</a:t>
+            </a:r>
+          </a:p>
+          <a:p>
+            <a:pPr>
+              <a:defRPr/>
+            </a:pPr>
+            <a:r>
+              <a:rPr kumimoji="0" lang="ja-JP" altLang="en-US" sz="2100" b="1" dirty="0">
+                <a:solidFill>
+                  <a:srgbClr val="333333"/>
+                </a:solidFill>
+                <a:latin typeface="Noto Sans JP" pitchFamily="34" charset="0"/>
+                <a:ea typeface="Noto Sans JP" pitchFamily="34" charset="-122"/>
+                <a:cs typeface="Noto Sans JP" pitchFamily="34" charset="-120"/>
+              </a:rPr>
+              <a:t>②</a:t>
+            </a:r>
+            <a:r>
+              <a:rPr kumimoji="0" lang="ja-JP" altLang="en-US" sz="2100" b="1" dirty="0">
+                <a:solidFill>
+                  <a:srgbClr val="333333"/>
+                </a:solidFill>
+                <a:latin typeface="Noto Sans JP" pitchFamily="34" charset="0"/>
+                <a:ea typeface="Noto Sans JP" pitchFamily="34" charset="-122"/>
+                <a:cs typeface="Noto Sans JP" pitchFamily="34" charset="-120"/>
+                <a:hlinkClick r:id="rId3"/>
+              </a:rPr>
+              <a:t>オールインワン美容液「モイスチャーセラム」</a:t>
+            </a:r>
+            <a:r>
+              <a:rPr kumimoji="0" lang="en-US" altLang="ja-JP" sz="2100" b="1" dirty="0">
+                <a:solidFill>
+                  <a:srgbClr val="333333"/>
+                </a:solidFill>
+                <a:latin typeface="Noto Sans JP" pitchFamily="34" charset="0"/>
+                <a:ea typeface="Noto Sans JP" pitchFamily="34" charset="-122"/>
+                <a:cs typeface="Noto Sans JP" pitchFamily="34" charset="-120"/>
+                <a:hlinkClick r:id="rId3"/>
+              </a:rPr>
+              <a:t>_</a:t>
+            </a:r>
+            <a:r>
+              <a:rPr kumimoji="0" lang="ja-JP" altLang="en-US" sz="2100" b="1" dirty="0">
+                <a:solidFill>
+                  <a:srgbClr val="333333"/>
+                </a:solidFill>
+                <a:latin typeface="Noto Sans JP" pitchFamily="34" charset="0"/>
+                <a:ea typeface="Noto Sans JP" pitchFamily="34" charset="-122"/>
+                <a:cs typeface="Noto Sans JP" pitchFamily="34" charset="-120"/>
+                <a:hlinkClick r:id="rId3"/>
+              </a:rPr>
+              <a:t>説明型</a:t>
+            </a:r>
+            <a:r>
+              <a:rPr kumimoji="0" lang="en-US" altLang="ja-JP" sz="2100" b="1" dirty="0">
+                <a:solidFill>
+                  <a:srgbClr val="333333"/>
+                </a:solidFill>
+                <a:latin typeface="Noto Sans JP" pitchFamily="34" charset="0"/>
+                <a:ea typeface="Noto Sans JP" pitchFamily="34" charset="-122"/>
+                <a:cs typeface="Noto Sans JP" pitchFamily="34" charset="-120"/>
+                <a:hlinkClick r:id="rId3"/>
+              </a:rPr>
+              <a:t>b</a:t>
             </a:r>
             <a:endParaRPr kumimoji="0" lang="en-US" altLang="ja-JP" sz="2100" b="1" dirty="0">
               <a:solidFill>
@@ -8263,101 +8344,247 @@
             </a:endParaRPr>
           </a:p>
           <a:p>
-            <a:pPr marL="0" marR="0" lvl="0" indent="0" algn="l" defTabSz="914400" rtl="0" eaLnBrk="1" fontAlgn="auto" latinLnBrk="0" hangingPunct="1">
-              <a:lnSpc>
-                <a:spcPct val="100000"/>
-              </a:lnSpc>
-              <a:spcBef>
-                <a:spcPts val="0"/>
-              </a:spcBef>
-              <a:spcAft>
-                <a:spcPts val="0"/>
-              </a:spcAft>
-              <a:buClrTx/>
-              <a:buSzTx/>
-              <a:buFontTx/>
-              <a:buNone/>
-              <a:tabLst/>
+            <a:pPr lvl="0">
               <a:defRPr/>
             </a:pPr>
             <a:r>
-              <a:rPr kumimoji="0" lang="ja-JP" altLang="en-US" sz="2100" b="1" i="0" u="none" strike="noStrike" kern="1200" cap="none" spc="0" normalizeH="0" baseline="0" noProof="0" dirty="0">
-                <a:ln>
-                  <a:noFill/>
-                </a:ln>
+              <a:rPr kumimoji="0" lang="ja-JP" altLang="en-US" sz="2100" b="1" dirty="0">
                 <a:solidFill>
                   <a:srgbClr val="333333"/>
                 </a:solidFill>
-                <a:effectLst/>
-                <a:uLnTx/>
-                <a:uFillTx/>
-                <a:latin typeface="Noto Sans JP" pitchFamily="34" charset="0"/>
-                <a:ea typeface="Noto Sans JP" pitchFamily="34" charset="-122"/>
-                <a:cs typeface="Noto Sans JP" pitchFamily="34" charset="-120"/>
-              </a:rPr>
-              <a:t>案件②用リンク：</a:t>
-            </a:r>
-            <a:endParaRPr kumimoji="0" lang="en-US" altLang="ja-JP" sz="2100" b="1" i="0" u="none" strike="noStrike" kern="1200" cap="none" spc="0" normalizeH="0" baseline="0" noProof="0" dirty="0">
-              <a:ln>
-                <a:noFill/>
-              </a:ln>
+                <a:latin typeface="Noto Sans JP" pitchFamily="34" charset="0"/>
+                <a:ea typeface="Noto Sans JP" pitchFamily="34" charset="-122"/>
+                <a:cs typeface="Noto Sans JP" pitchFamily="34" charset="-120"/>
+              </a:rPr>
+              <a:t>③</a:t>
+            </a:r>
+            <a:r>
+              <a:rPr kumimoji="0" lang="ja-JP" altLang="en-US" sz="2100" b="1" dirty="0">
+                <a:solidFill>
+                  <a:srgbClr val="333333"/>
+                </a:solidFill>
+                <a:latin typeface="Noto Sans JP" pitchFamily="34" charset="0"/>
+                <a:ea typeface="Noto Sans JP" pitchFamily="34" charset="-122"/>
+                <a:cs typeface="Noto Sans JP" pitchFamily="34" charset="-120"/>
+                <a:hlinkClick r:id="rId4"/>
+              </a:rPr>
+              <a:t>オールインワン美容液「モイスチャーセラム」</a:t>
+            </a:r>
+            <a:r>
+              <a:rPr kumimoji="0" lang="en-US" altLang="ja-JP" sz="2100" b="1" dirty="0">
+                <a:solidFill>
+                  <a:srgbClr val="333333"/>
+                </a:solidFill>
+                <a:latin typeface="Noto Sans JP" pitchFamily="34" charset="0"/>
+                <a:ea typeface="Noto Sans JP" pitchFamily="34" charset="-122"/>
+                <a:cs typeface="Noto Sans JP" pitchFamily="34" charset="-120"/>
+                <a:hlinkClick r:id="rId4"/>
+              </a:rPr>
+              <a:t>_</a:t>
+            </a:r>
+            <a:r>
+              <a:rPr kumimoji="0" lang="ja-JP" altLang="en-US" sz="2100" b="1" dirty="0">
+                <a:solidFill>
+                  <a:srgbClr val="333333"/>
+                </a:solidFill>
+                <a:latin typeface="Noto Sans JP" pitchFamily="34" charset="0"/>
+                <a:ea typeface="Noto Sans JP" pitchFamily="34" charset="-122"/>
+                <a:cs typeface="Noto Sans JP" pitchFamily="34" charset="-120"/>
+                <a:hlinkClick r:id="rId4"/>
+              </a:rPr>
+              <a:t>ニーズ想起型</a:t>
+            </a:r>
+            <a:r>
+              <a:rPr kumimoji="0" lang="en-US" altLang="ja-JP" sz="2100" b="1" dirty="0">
+                <a:solidFill>
+                  <a:srgbClr val="333333"/>
+                </a:solidFill>
+                <a:latin typeface="Noto Sans JP" pitchFamily="34" charset="0"/>
+                <a:ea typeface="Noto Sans JP" pitchFamily="34" charset="-122"/>
+                <a:cs typeface="Noto Sans JP" pitchFamily="34" charset="-120"/>
+              </a:rPr>
+              <a:t>a</a:t>
+            </a:r>
+          </a:p>
+          <a:p>
+            <a:pPr lvl="0">
+              <a:defRPr/>
+            </a:pPr>
+            <a:r>
+              <a:rPr kumimoji="0" lang="ja-JP" altLang="en-US" sz="2100" b="1" dirty="0">
+                <a:solidFill>
+                  <a:srgbClr val="333333"/>
+                </a:solidFill>
+                <a:latin typeface="Noto Sans JP" pitchFamily="34" charset="0"/>
+                <a:ea typeface="Noto Sans JP" pitchFamily="34" charset="-122"/>
+                <a:cs typeface="Noto Sans JP" pitchFamily="34" charset="-120"/>
+                <a:hlinkClick r:id="rId5"/>
+              </a:rPr>
+              <a:t>④</a:t>
+            </a:r>
+            <a:r>
+              <a:rPr kumimoji="0" lang="ja-JP" altLang="en-US" sz="2100" b="1" dirty="0">
+                <a:solidFill>
+                  <a:srgbClr val="333333"/>
+                </a:solidFill>
+                <a:latin typeface="Noto Sans JP" pitchFamily="34" charset="0"/>
+                <a:ea typeface="Noto Sans JP" pitchFamily="34" charset="-122"/>
+                <a:cs typeface="Noto Sans JP" pitchFamily="34" charset="-120"/>
+                <a:hlinkClick r:id="rId6"/>
+              </a:rPr>
+              <a:t>オールインワン美容液「モイスチャーセラム」</a:t>
+            </a:r>
+            <a:r>
+              <a:rPr kumimoji="0" lang="en-US" altLang="ja-JP" sz="2100" b="1" dirty="0">
+                <a:solidFill>
+                  <a:srgbClr val="333333"/>
+                </a:solidFill>
+                <a:latin typeface="Noto Sans JP" pitchFamily="34" charset="0"/>
+                <a:ea typeface="Noto Sans JP" pitchFamily="34" charset="-122"/>
+                <a:cs typeface="Noto Sans JP" pitchFamily="34" charset="-120"/>
+                <a:hlinkClick r:id="rId6"/>
+              </a:rPr>
+              <a:t>_</a:t>
+            </a:r>
+            <a:r>
+              <a:rPr kumimoji="0" lang="ja-JP" altLang="en-US" sz="2100" b="1" dirty="0">
+                <a:solidFill>
+                  <a:srgbClr val="333333"/>
+                </a:solidFill>
+                <a:latin typeface="Noto Sans JP" pitchFamily="34" charset="0"/>
+                <a:ea typeface="Noto Sans JP" pitchFamily="34" charset="-122"/>
+                <a:cs typeface="Noto Sans JP" pitchFamily="34" charset="-120"/>
+                <a:hlinkClick r:id="rId6"/>
+              </a:rPr>
+              <a:t>ニーズ想起型</a:t>
+            </a:r>
+            <a:r>
+              <a:rPr kumimoji="0" lang="en-US" altLang="ja-JP" sz="2100" b="1" dirty="0">
+                <a:solidFill>
+                  <a:srgbClr val="333333"/>
+                </a:solidFill>
+                <a:latin typeface="Noto Sans JP" pitchFamily="34" charset="0"/>
+                <a:ea typeface="Noto Sans JP" pitchFamily="34" charset="-122"/>
+                <a:cs typeface="Noto Sans JP" pitchFamily="34" charset="-120"/>
+                <a:hlinkClick r:id="rId6"/>
+              </a:rPr>
+              <a:t>b</a:t>
+            </a:r>
+            <a:endParaRPr kumimoji="0" lang="en-US" altLang="ja-JP" sz="2100" b="1" dirty="0">
               <a:solidFill>
                 <a:srgbClr val="333333"/>
               </a:solidFill>
-              <a:effectLst/>
-              <a:uLnTx/>
-              <a:uFillTx/>
+              <a:latin typeface="Noto Sans JP" pitchFamily="34" charset="0"/>
+              <a:ea typeface="Noto Sans JP" pitchFamily="34" charset="-122"/>
+              <a:cs typeface="Noto Sans JP" pitchFamily="34" charset="-120"/>
+              <a:hlinkClick r:id="rId5"/>
+            </a:endParaRPr>
+          </a:p>
+          <a:p>
+            <a:pPr lvl="0">
+              <a:defRPr/>
+            </a:pPr>
+            <a:r>
+              <a:rPr kumimoji="0" lang="ja-JP" altLang="en-US" sz="2100" b="1" dirty="0">
+                <a:solidFill>
+                  <a:srgbClr val="333333"/>
+                </a:solidFill>
+                <a:latin typeface="Noto Sans JP" pitchFamily="34" charset="0"/>
+                <a:ea typeface="Noto Sans JP" pitchFamily="34" charset="-122"/>
+                <a:cs typeface="Noto Sans JP" pitchFamily="34" charset="-120"/>
+                <a:hlinkClick r:id="rId5"/>
+              </a:rPr>
+              <a:t>⑤</a:t>
+            </a:r>
+            <a:r>
+              <a:rPr kumimoji="0" lang="en-US" altLang="ja-JP" sz="2100" b="1" dirty="0">
+                <a:solidFill>
+                  <a:srgbClr val="333333"/>
+                </a:solidFill>
+                <a:latin typeface="Noto Sans JP" pitchFamily="34" charset="0"/>
+                <a:ea typeface="Noto Sans JP" pitchFamily="34" charset="-122"/>
+                <a:cs typeface="Noto Sans JP" pitchFamily="34" charset="-120"/>
+                <a:hlinkClick r:id="rId5"/>
+              </a:rPr>
+              <a:t>NEW</a:t>
+            </a:r>
+            <a:r>
+              <a:rPr kumimoji="0" lang="ja-JP" altLang="en-US" sz="2100" b="1" dirty="0">
+                <a:solidFill>
+                  <a:srgbClr val="333333"/>
+                </a:solidFill>
+                <a:latin typeface="Noto Sans JP" pitchFamily="34" charset="0"/>
+                <a:ea typeface="Noto Sans JP" pitchFamily="34" charset="-122"/>
+                <a:cs typeface="Noto Sans JP" pitchFamily="34" charset="-120"/>
+                <a:hlinkClick r:id="rId5"/>
+              </a:rPr>
+              <a:t>やきとり屋台 </a:t>
+            </a:r>
+            <a:r>
+              <a:rPr kumimoji="0" lang="en-US" altLang="ja-JP" sz="2100" b="1" dirty="0">
+                <a:solidFill>
+                  <a:srgbClr val="333333"/>
+                </a:solidFill>
+                <a:latin typeface="Noto Sans JP" pitchFamily="34" charset="0"/>
+                <a:ea typeface="Noto Sans JP" pitchFamily="34" charset="-122"/>
+                <a:cs typeface="Noto Sans JP" pitchFamily="34" charset="-120"/>
+                <a:hlinkClick r:id="rId5"/>
+              </a:rPr>
+              <a:t>MYS-600A_</a:t>
+            </a:r>
+            <a:r>
+              <a:rPr kumimoji="0" lang="ja-JP" altLang="en-US" sz="2100" b="1" dirty="0">
+                <a:solidFill>
+                  <a:srgbClr val="333333"/>
+                </a:solidFill>
+                <a:latin typeface="Noto Sans JP" pitchFamily="34" charset="0"/>
+                <a:ea typeface="Noto Sans JP" pitchFamily="34" charset="-122"/>
+                <a:cs typeface="Noto Sans JP" pitchFamily="34" charset="-120"/>
+                <a:hlinkClick r:id="rId5"/>
+              </a:rPr>
+              <a:t>説明型</a:t>
+            </a:r>
+            <a:endParaRPr kumimoji="0" lang="en-US" altLang="ja-JP" sz="2100" b="1" dirty="0">
+              <a:solidFill>
+                <a:srgbClr val="333333"/>
+              </a:solidFill>
               <a:latin typeface="Noto Sans JP" pitchFamily="34" charset="0"/>
               <a:ea typeface="Noto Sans JP" pitchFamily="34" charset="-122"/>
               <a:cs typeface="Noto Sans JP" pitchFamily="34" charset="-120"/>
             </a:endParaRPr>
           </a:p>
-          <a:p>
-            <a:pPr marL="0" marR="0" lvl="0" indent="0" algn="l" defTabSz="914400" rtl="0" eaLnBrk="1" fontAlgn="auto" latinLnBrk="0" hangingPunct="1">
-              <a:lnSpc>
-                <a:spcPct val="100000"/>
-              </a:lnSpc>
-              <a:spcBef>
-                <a:spcPts val="0"/>
-              </a:spcBef>
-              <a:spcAft>
-                <a:spcPts val="0"/>
-              </a:spcAft>
-              <a:buClrTx/>
-              <a:buSzTx/>
-              <a:buFontTx/>
-              <a:buNone/>
-              <a:tabLst/>
-              <a:defRPr/>
-            </a:pPr>
-            <a:r>
-              <a:rPr kumimoji="0" lang="ja-JP" altLang="en-US" sz="2100" b="1" dirty="0">
-                <a:solidFill>
-                  <a:srgbClr val="333333"/>
-                </a:solidFill>
-                <a:latin typeface="Noto Sans JP" pitchFamily="34" charset="0"/>
-                <a:ea typeface="Noto Sans JP" pitchFamily="34" charset="-122"/>
-                <a:cs typeface="Noto Sans JP" pitchFamily="34" charset="-120"/>
-              </a:rPr>
-              <a:t>案件③用リンク</a:t>
-            </a:r>
-            <a:endParaRPr kumimoji="0" lang="en-US" altLang="ja-JP" sz="2100" b="1" i="0" u="none" strike="noStrike" kern="1200" cap="none" spc="0" normalizeH="0" baseline="0" noProof="0" dirty="0">
-              <a:ln>
-                <a:noFill/>
-              </a:ln>
-              <a:solidFill>
-                <a:srgbClr val="333333"/>
-              </a:solidFill>
-              <a:effectLst/>
-              <a:uLnTx/>
-              <a:uFillTx/>
-              <a:latin typeface="Noto Sans JP" pitchFamily="34" charset="0"/>
-              <a:ea typeface="Noto Sans JP" pitchFamily="34" charset="-122"/>
-              <a:cs typeface="Noto Sans JP" pitchFamily="34" charset="-120"/>
-            </a:endParaRPr>
-          </a:p>
-        </p:txBody>
-      </p:sp>
+        </p:txBody>
+      </p:sp>
+      <p:pic>
+        <p:nvPicPr>
+          <p:cNvPr id="11" name="図 10">
+            <a:extLst>
+              <a:ext uri="{FF2B5EF4-FFF2-40B4-BE49-F238E27FC236}">
+                <a16:creationId xmlns:a16="http://schemas.microsoft.com/office/drawing/2014/main" id="{EF9BC99E-DDA8-F44E-07BB-D3E17C429FC4}"/>
+              </a:ext>
+            </a:extLst>
+          </p:cNvPr>
+          <p:cNvPicPr>
+            <a:picLocks noChangeAspect="1"/>
+          </p:cNvPicPr>
+          <p:nvPr/>
+        </p:nvPicPr>
+        <p:blipFill>
+          <a:blip r:embed="rId7"/>
+          <a:stretch>
+            <a:fillRect/>
+          </a:stretch>
+        </p:blipFill>
+        <p:spPr>
+          <a:xfrm>
+            <a:off x="892289" y="4265777"/>
+            <a:ext cx="7902578" cy="2388975"/>
+          </a:xfrm>
+          <a:prstGeom prst="rect">
+            <a:avLst/>
+          </a:prstGeom>
+        </p:spPr>
+      </p:pic>
     </p:spTree>
     <p:extLst>
       <p:ext uri="{BB962C8B-B14F-4D97-AF65-F5344CB8AC3E}">

--- a/workshops/20251025/20251025_LP作成ワーカー作業マニュアル.pptx
+++ b/workshops/20251025/20251025_LP作成ワーカー作業マニュアル.pptx
@@ -6124,7 +6124,7 @@
                 <a:ea typeface="Noto Sans JP" pitchFamily="34" charset="-122"/>
                 <a:cs typeface="Noto Sans JP" pitchFamily="34" charset="-120"/>
               </a:rPr>
-              <a:t>ヒーロー画像</a:t>
+              <a:t>メイン画像</a:t>
             </a:r>
             <a:r>
               <a:rPr kumimoji="0" lang="en-US" sz="2100" b="1" i="0" u="none" strike="noStrike" kern="1200" cap="none" spc="0" normalizeH="0" baseline="0" noProof="0" dirty="0">
